--- a/ZARIOH_Maximilien_MV2026.pptx
+++ b/ZARIOH_Maximilien_MV2026.pptx
@@ -135,7 +135,7 @@
 <file path=ppt/revisionInfo.xml><?xml version="1.0" encoding="utf-8"?>
 <p1510:revInfo xmlns:a="http://schemas.openxmlformats.org/drawingml/2006/main" xmlns:r="http://schemas.openxmlformats.org/officeDocument/2006/relationships" xmlns:p1510="http://schemas.microsoft.com/office/powerpoint/2015/10/main">
   <p1510:revLst>
-    <p1510:client id="{AA89C0CB-1F5B-4C95-8403-97C2398B7D0E}" v="1620" dt="2026-01-10T23:25:48.319"/>
+    <p1510:client id="{AA89C0CB-1F5B-4C95-8403-97C2398B7D0E}" v="1958" dt="2026-01-11T00:26:50.751"/>
   </p1510:revLst>
 </p1510:revInfo>
 </file>
@@ -145,7 +145,7 @@
   <pc:docChgLst>
     <pc:chgData name="Maximilien Zarioh" userId="a77256be48185e07" providerId="LiveId" clId="{EE2A4923-20D6-4BDA-ACFC-F8E82C18A682}"/>
     <pc:docChg chg="undo redo custSel addSld delSld modSld sldOrd">
-      <pc:chgData name="Maximilien Zarioh" userId="a77256be48185e07" providerId="LiveId" clId="{EE2A4923-20D6-4BDA-ACFC-F8E82C18A682}" dt="2026-01-10T23:25:48.319" v="5367" actId="20577"/>
+      <pc:chgData name="Maximilien Zarioh" userId="a77256be48185e07" providerId="LiveId" clId="{EE2A4923-20D6-4BDA-ACFC-F8E82C18A682}" dt="2026-01-11T00:26:50.751" v="5726" actId="20577"/>
       <pc:docMkLst>
         <pc:docMk/>
       </pc:docMkLst>
@@ -266,7 +266,7 @@
         </pc:picChg>
       </pc:sldChg>
       <pc:sldChg chg="addSp delSp modSp new mod modTransition">
-        <pc:chgData name="Maximilien Zarioh" userId="a77256be48185e07" providerId="LiveId" clId="{EE2A4923-20D6-4BDA-ACFC-F8E82C18A682}" dt="2026-01-10T23:25:48.319" v="5367" actId="20577"/>
+        <pc:chgData name="Maximilien Zarioh" userId="a77256be48185e07" providerId="LiveId" clId="{EE2A4923-20D6-4BDA-ACFC-F8E82C18A682}" dt="2026-01-11T00:26:50.751" v="5726" actId="20577"/>
         <pc:sldMkLst>
           <pc:docMk/>
           <pc:sldMk cId="1899348756" sldId="261"/>
@@ -280,7 +280,7 @@
           </ac:spMkLst>
         </pc:spChg>
         <pc:spChg chg="add del mod">
-          <ac:chgData name="Maximilien Zarioh" userId="a77256be48185e07" providerId="LiveId" clId="{EE2A4923-20D6-4BDA-ACFC-F8E82C18A682}" dt="2026-01-10T23:19:53.679" v="5329" actId="790"/>
+          <ac:chgData name="Maximilien Zarioh" userId="a77256be48185e07" providerId="LiveId" clId="{EE2A4923-20D6-4BDA-ACFC-F8E82C18A682}" dt="2026-01-10T23:57:54.515" v="5431" actId="20577"/>
           <ac:spMkLst>
             <pc:docMk/>
             <pc:sldMk cId="1899348756" sldId="261"/>
@@ -288,7 +288,7 @@
           </ac:spMkLst>
         </pc:spChg>
         <pc:spChg chg="mod">
-          <ac:chgData name="Maximilien Zarioh" userId="a77256be48185e07" providerId="LiveId" clId="{EE2A4923-20D6-4BDA-ACFC-F8E82C18A682}" dt="2026-01-10T23:25:48.319" v="5367" actId="20577"/>
+          <ac:chgData name="Maximilien Zarioh" userId="a77256be48185e07" providerId="LiveId" clId="{EE2A4923-20D6-4BDA-ACFC-F8E82C18A682}" dt="2026-01-11T00:26:50.751" v="5726" actId="20577"/>
           <ac:spMkLst>
             <pc:docMk/>
             <pc:sldMk cId="1899348756" sldId="261"/>
@@ -343,7 +343,7 @@
         </pc:sldMkLst>
       </pc:sldChg>
       <pc:sldChg chg="addSp delSp modSp add mod setBg">
-        <pc:chgData name="Maximilien Zarioh" userId="a77256be48185e07" providerId="LiveId" clId="{EE2A4923-20D6-4BDA-ACFC-F8E82C18A682}" dt="2026-01-10T23:19:53.679" v="5329" actId="790"/>
+        <pc:chgData name="Maximilien Zarioh" userId="a77256be48185e07" providerId="LiveId" clId="{EE2A4923-20D6-4BDA-ACFC-F8E82C18A682}" dt="2026-01-11T00:01:03.073" v="5500" actId="20577"/>
         <pc:sldMkLst>
           <pc:docMk/>
           <pc:sldMk cId="4151035677" sldId="263"/>
@@ -357,7 +357,7 @@
           </ac:spMkLst>
         </pc:spChg>
         <pc:spChg chg="mod">
-          <ac:chgData name="Maximilien Zarioh" userId="a77256be48185e07" providerId="LiveId" clId="{EE2A4923-20D6-4BDA-ACFC-F8E82C18A682}" dt="2026-01-10T23:19:53.679" v="5329" actId="790"/>
+          <ac:chgData name="Maximilien Zarioh" userId="a77256be48185e07" providerId="LiveId" clId="{EE2A4923-20D6-4BDA-ACFC-F8E82C18A682}" dt="2026-01-11T00:01:03.073" v="5500" actId="20577"/>
           <ac:spMkLst>
             <pc:docMk/>
             <pc:sldMk cId="4151035677" sldId="263"/>
@@ -502,7 +502,7 @@
         </pc:picChg>
       </pc:sldChg>
       <pc:sldChg chg="addSp delSp modSp add mod">
-        <pc:chgData name="Maximilien Zarioh" userId="a77256be48185e07" providerId="LiveId" clId="{EE2A4923-20D6-4BDA-ACFC-F8E82C18A682}" dt="2026-01-10T23:19:53.679" v="5329" actId="790"/>
+        <pc:chgData name="Maximilien Zarioh" userId="a77256be48185e07" providerId="LiveId" clId="{EE2A4923-20D6-4BDA-ACFC-F8E82C18A682}" dt="2026-01-11T00:03:14.700" v="5562" actId="5793"/>
         <pc:sldMkLst>
           <pc:docMk/>
           <pc:sldMk cId="1799126252" sldId="264"/>
@@ -516,7 +516,7 @@
           </ac:spMkLst>
         </pc:spChg>
         <pc:spChg chg="mod">
-          <ac:chgData name="Maximilien Zarioh" userId="a77256be48185e07" providerId="LiveId" clId="{EE2A4923-20D6-4BDA-ACFC-F8E82C18A682}" dt="2026-01-10T23:19:53.679" v="5329" actId="790"/>
+          <ac:chgData name="Maximilien Zarioh" userId="a77256be48185e07" providerId="LiveId" clId="{EE2A4923-20D6-4BDA-ACFC-F8E82C18A682}" dt="2026-01-11T00:03:14.700" v="5562" actId="5793"/>
           <ac:spMkLst>
             <pc:docMk/>
             <pc:sldMk cId="1799126252" sldId="264"/>
@@ -565,7 +565,7 @@
         </pc:picChg>
       </pc:sldChg>
       <pc:sldChg chg="addSp delSp modSp add mod">
-        <pc:chgData name="Maximilien Zarioh" userId="a77256be48185e07" providerId="LiveId" clId="{EE2A4923-20D6-4BDA-ACFC-F8E82C18A682}" dt="2026-01-10T23:19:53.679" v="5329" actId="790"/>
+        <pc:chgData name="Maximilien Zarioh" userId="a77256be48185e07" providerId="LiveId" clId="{EE2A4923-20D6-4BDA-ACFC-F8E82C18A682}" dt="2026-01-11T00:03:39.345" v="5565" actId="5793"/>
         <pc:sldMkLst>
           <pc:docMk/>
           <pc:sldMk cId="65834661" sldId="265"/>
@@ -579,7 +579,7 @@
           </ac:spMkLst>
         </pc:spChg>
         <pc:spChg chg="mod">
-          <ac:chgData name="Maximilien Zarioh" userId="a77256be48185e07" providerId="LiveId" clId="{EE2A4923-20D6-4BDA-ACFC-F8E82C18A682}" dt="2026-01-10T23:19:53.679" v="5329" actId="790"/>
+          <ac:chgData name="Maximilien Zarioh" userId="a77256be48185e07" providerId="LiveId" clId="{EE2A4923-20D6-4BDA-ACFC-F8E82C18A682}" dt="2026-01-11T00:03:39.345" v="5565" actId="5793"/>
           <ac:spMkLst>
             <pc:docMk/>
             <pc:sldMk cId="65834661" sldId="265"/>
@@ -642,7 +642,7 @@
         </pc:sldMkLst>
       </pc:sldChg>
       <pc:sldChg chg="addSp delSp modSp add mod ord">
-        <pc:chgData name="Maximilien Zarioh" userId="a77256be48185e07" providerId="LiveId" clId="{EE2A4923-20D6-4BDA-ACFC-F8E82C18A682}" dt="2026-01-10T23:19:53.679" v="5329" actId="790"/>
+        <pc:chgData name="Maximilien Zarioh" userId="a77256be48185e07" providerId="LiveId" clId="{EE2A4923-20D6-4BDA-ACFC-F8E82C18A682}" dt="2026-01-11T00:03:44.688" v="5568" actId="20577"/>
         <pc:sldMkLst>
           <pc:docMk/>
           <pc:sldMk cId="3408042806" sldId="266"/>
@@ -656,7 +656,7 @@
           </ac:spMkLst>
         </pc:spChg>
         <pc:spChg chg="mod">
-          <ac:chgData name="Maximilien Zarioh" userId="a77256be48185e07" providerId="LiveId" clId="{EE2A4923-20D6-4BDA-ACFC-F8E82C18A682}" dt="2026-01-10T23:19:53.679" v="5329" actId="790"/>
+          <ac:chgData name="Maximilien Zarioh" userId="a77256be48185e07" providerId="LiveId" clId="{EE2A4923-20D6-4BDA-ACFC-F8E82C18A682}" dt="2026-01-11T00:03:44.688" v="5568" actId="20577"/>
           <ac:spMkLst>
             <pc:docMk/>
             <pc:sldMk cId="3408042806" sldId="266"/>
@@ -696,7 +696,7 @@
           </ac:graphicFrameMkLst>
         </pc:graphicFrameChg>
         <pc:graphicFrameChg chg="add mod ord modGraphic">
-          <ac:chgData name="Maximilien Zarioh" userId="a77256be48185e07" providerId="LiveId" clId="{EE2A4923-20D6-4BDA-ACFC-F8E82C18A682}" dt="2026-01-10T23:19:53.679" v="5329" actId="790"/>
+          <ac:chgData name="Maximilien Zarioh" userId="a77256be48185e07" providerId="LiveId" clId="{EE2A4923-20D6-4BDA-ACFC-F8E82C18A682}" dt="2026-01-10T23:43:35.299" v="5391" actId="20577"/>
           <ac:graphicFrameMkLst>
             <pc:docMk/>
             <pc:sldMk cId="3408042806" sldId="266"/>
@@ -713,7 +713,7 @@
         </pc:picChg>
       </pc:sldChg>
       <pc:sldChg chg="addSp delSp modSp add mod">
-        <pc:chgData name="Maximilien Zarioh" userId="a77256be48185e07" providerId="LiveId" clId="{EE2A4923-20D6-4BDA-ACFC-F8E82C18A682}" dt="2026-01-10T23:19:53.679" v="5329" actId="790"/>
+        <pc:chgData name="Maximilien Zarioh" userId="a77256be48185e07" providerId="LiveId" clId="{EE2A4923-20D6-4BDA-ACFC-F8E82C18A682}" dt="2026-01-11T00:03:50.350" v="5569" actId="255"/>
         <pc:sldMkLst>
           <pc:docMk/>
           <pc:sldMk cId="86959205" sldId="267"/>
@@ -727,7 +727,7 @@
           </ac:spMkLst>
         </pc:spChg>
         <pc:spChg chg="mod">
-          <ac:chgData name="Maximilien Zarioh" userId="a77256be48185e07" providerId="LiveId" clId="{EE2A4923-20D6-4BDA-ACFC-F8E82C18A682}" dt="2026-01-10T23:19:53.679" v="5329" actId="790"/>
+          <ac:chgData name="Maximilien Zarioh" userId="a77256be48185e07" providerId="LiveId" clId="{EE2A4923-20D6-4BDA-ACFC-F8E82C18A682}" dt="2026-01-11T00:03:50.350" v="5569" actId="255"/>
           <ac:spMkLst>
             <pc:docMk/>
             <pc:sldMk cId="86959205" sldId="267"/>
@@ -821,7 +821,7 @@
         </pc:sldMkLst>
       </pc:sldChg>
       <pc:sldChg chg="addSp delSp modSp add mod ord">
-        <pc:chgData name="Maximilien Zarioh" userId="a77256be48185e07" providerId="LiveId" clId="{EE2A4923-20D6-4BDA-ACFC-F8E82C18A682}" dt="2026-01-10T23:19:53.679" v="5329" actId="790"/>
+        <pc:chgData name="Maximilien Zarioh" userId="a77256be48185e07" providerId="LiveId" clId="{EE2A4923-20D6-4BDA-ACFC-F8E82C18A682}" dt="2026-01-11T00:02:31.771" v="5550" actId="20577"/>
         <pc:sldMkLst>
           <pc:docMk/>
           <pc:sldMk cId="1850260506" sldId="269"/>
@@ -859,7 +859,7 @@
           </ac:spMkLst>
         </pc:spChg>
         <pc:graphicFrameChg chg="add mod modGraphic">
-          <ac:chgData name="Maximilien Zarioh" userId="a77256be48185e07" providerId="LiveId" clId="{EE2A4923-20D6-4BDA-ACFC-F8E82C18A682}" dt="2026-01-10T23:19:53.679" v="5329" actId="790"/>
+          <ac:chgData name="Maximilien Zarioh" userId="a77256be48185e07" providerId="LiveId" clId="{EE2A4923-20D6-4BDA-ACFC-F8E82C18A682}" dt="2026-01-11T00:02:31.771" v="5550" actId="20577"/>
           <ac:graphicFrameMkLst>
             <pc:docMk/>
             <pc:sldMk cId="1850260506" sldId="269"/>
@@ -876,7 +876,7 @@
         </pc:picChg>
       </pc:sldChg>
       <pc:sldChg chg="addSp delSp modSp add mod ord">
-        <pc:chgData name="Maximilien Zarioh" userId="a77256be48185e07" providerId="LiveId" clId="{EE2A4923-20D6-4BDA-ACFC-F8E82C18A682}" dt="2026-01-10T23:19:53.679" v="5329" actId="790"/>
+        <pc:chgData name="Maximilien Zarioh" userId="a77256be48185e07" providerId="LiveId" clId="{EE2A4923-20D6-4BDA-ACFC-F8E82C18A682}" dt="2026-01-11T00:02:44.023" v="5558" actId="20577"/>
         <pc:sldMkLst>
           <pc:docMk/>
           <pc:sldMk cId="3880254153" sldId="270"/>
@@ -890,7 +890,7 @@
           </ac:spMkLst>
         </pc:spChg>
         <pc:spChg chg="mod">
-          <ac:chgData name="Maximilien Zarioh" userId="a77256be48185e07" providerId="LiveId" clId="{EE2A4923-20D6-4BDA-ACFC-F8E82C18A682}" dt="2026-01-10T23:19:53.679" v="5329" actId="790"/>
+          <ac:chgData name="Maximilien Zarioh" userId="a77256be48185e07" providerId="LiveId" clId="{EE2A4923-20D6-4BDA-ACFC-F8E82C18A682}" dt="2026-01-11T00:02:44.023" v="5558" actId="20577"/>
           <ac:spMkLst>
             <pc:docMk/>
             <pc:sldMk cId="3880254153" sldId="270"/>
@@ -1072,7 +1072,7 @@
           <a:p>
             <a:fld id="{63110F9B-C009-4DBD-8B9E-0034F8C701A4}" type="datetimeFigureOut">
               <a:rPr lang="en-US" smtClean="0"/>
-              <a:t>1/10/2026</a:t>
+              <a:t>1/11/2026</a:t>
             </a:fld>
             <a:endParaRPr lang="en-US"/>
           </a:p>
@@ -1669,7 +1669,7 @@
           <a:p>
             <a:fld id="{352FAA0D-C9D0-4386-90EF-E3EA16CB31C3}" type="datetime1">
               <a:rPr lang="en-US" smtClean="0"/>
-              <a:t>1/10/2026</a:t>
+              <a:t>1/11/2026</a:t>
             </a:fld>
             <a:endParaRPr lang="en-US"/>
           </a:p>
@@ -1867,7 +1867,7 @@
           <a:p>
             <a:fld id="{85F2627C-50DE-4898-B868-51452812C2C2}" type="datetime1">
               <a:rPr lang="en-US" smtClean="0"/>
-              <a:t>1/10/2026</a:t>
+              <a:t>1/11/2026</a:t>
             </a:fld>
             <a:endParaRPr lang="en-US"/>
           </a:p>
@@ -2075,7 +2075,7 @@
           <a:p>
             <a:fld id="{E32F07A9-E4E9-4FAA-8FFA-3772E04BA1D8}" type="datetime1">
               <a:rPr lang="en-US" smtClean="0"/>
-              <a:t>1/10/2026</a:t>
+              <a:t>1/11/2026</a:t>
             </a:fld>
             <a:endParaRPr lang="en-US"/>
           </a:p>
@@ -2687,7 +2687,7 @@
           <a:p>
             <a:fld id="{C58ABAD9-FCC0-4D38-A993-86CF917CB433}" type="datetime1">
               <a:rPr lang="en-US" smtClean="0"/>
-              <a:t>1/10/2026</a:t>
+              <a:t>1/11/2026</a:t>
             </a:fld>
             <a:endParaRPr lang="en-US"/>
           </a:p>
@@ -2962,7 +2962,7 @@
           <a:p>
             <a:fld id="{E094D7AD-BE52-4B88-816C-C96CA61040FE}" type="datetime1">
               <a:rPr lang="en-US" smtClean="0"/>
-              <a:t>1/10/2026</a:t>
+              <a:t>1/11/2026</a:t>
             </a:fld>
             <a:endParaRPr lang="en-US"/>
           </a:p>
@@ -3227,7 +3227,7 @@
           <a:p>
             <a:fld id="{0C2FFE8D-60AE-440B-A292-F138FC72EE82}" type="datetime1">
               <a:rPr lang="en-US" smtClean="0"/>
-              <a:t>1/10/2026</a:t>
+              <a:t>1/11/2026</a:t>
             </a:fld>
             <a:endParaRPr lang="en-US"/>
           </a:p>
@@ -3639,7 +3639,7 @@
           <a:p>
             <a:fld id="{F5738BF5-689C-4A1C-B037-38B31E416652}" type="datetime1">
               <a:rPr lang="en-US" smtClean="0"/>
-              <a:t>1/10/2026</a:t>
+              <a:t>1/11/2026</a:t>
             </a:fld>
             <a:endParaRPr lang="en-US"/>
           </a:p>
@@ -3780,7 +3780,7 @@
           <a:p>
             <a:fld id="{56507123-F364-49C5-A3A5-A69B59FF5EF5}" type="datetime1">
               <a:rPr lang="en-US" smtClean="0"/>
-              <a:t>1/10/2026</a:t>
+              <a:t>1/11/2026</a:t>
             </a:fld>
             <a:endParaRPr lang="en-US"/>
           </a:p>
@@ -3893,7 +3893,7 @@
           <a:p>
             <a:fld id="{3189FC79-4D78-4021-B828-54CF14EA2944}" type="datetime1">
               <a:rPr lang="en-US" smtClean="0"/>
-              <a:t>1/10/2026</a:t>
+              <a:t>1/11/2026</a:t>
             </a:fld>
             <a:endParaRPr lang="en-US"/>
           </a:p>
@@ -4204,7 +4204,7 @@
           <a:p>
             <a:fld id="{2B0A4351-556F-46F7-A1C6-50685D8803FD}" type="datetime1">
               <a:rPr lang="en-US" smtClean="0"/>
-              <a:t>1/10/2026</a:t>
+              <a:t>1/11/2026</a:t>
             </a:fld>
             <a:endParaRPr lang="en-US"/>
           </a:p>
@@ -4492,7 +4492,7 @@
           <a:p>
             <a:fld id="{3F9137D1-F041-4144-97B0-A47B7B940AB8}" type="datetime1">
               <a:rPr lang="en-US" smtClean="0"/>
-              <a:t>1/10/2026</a:t>
+              <a:t>1/11/2026</a:t>
             </a:fld>
             <a:endParaRPr lang="en-US"/>
           </a:p>
@@ -4733,7 +4733,7 @@
           <a:p>
             <a:fld id="{71CD7B04-E8DB-480D-A35E-01BC6794F995}" type="datetime1">
               <a:rPr lang="en-US" smtClean="0"/>
-              <a:t>1/10/2026</a:t>
+              <a:t>1/11/2026</a:t>
             </a:fld>
             <a:endParaRPr lang="en-US"/>
           </a:p>
@@ -5609,11 +5609,11 @@
   <p:clrMapOvr>
     <a:masterClrMapping/>
   </p:clrMapOvr>
-  <mc:AlternateContent xmlns:mc="http://schemas.openxmlformats.org/markup-compatibility/2006">
-    <mc:Choice xmlns:p14="http://schemas.microsoft.com/office/powerpoint/2010/main" Requires="p14">
+  <mc:AlternateContent xmlns:mc="http://schemas.openxmlformats.org/markup-compatibility/2006" xmlns:p14="http://schemas.microsoft.com/office/powerpoint/2010/main">
+    <mc:Choice Requires="p14">
       <p:transition spd="slow" p14:dur="2000" advTm="1144"/>
     </mc:Choice>
-    <mc:Fallback>
+    <mc:Fallback xmlns="">
       <p:transition spd="slow" advTm="1144"/>
     </mc:Fallback>
   </mc:AlternateContent>
@@ -5678,8 +5678,8 @@
           </a:p>
         </p:txBody>
       </p:sp>
-      <mc:AlternateContent xmlns:mc="http://schemas.openxmlformats.org/markup-compatibility/2006">
-        <mc:Choice xmlns:a14="http://schemas.microsoft.com/office/drawing/2010/main" Requires="a14">
+      <mc:AlternateContent xmlns:mc="http://schemas.openxmlformats.org/markup-compatibility/2006" xmlns:a14="http://schemas.microsoft.com/office/drawing/2010/main">
+        <mc:Choice Requires="a14">
           <p:sp>
             <p:nvSpPr>
               <p:cNvPr id="3" name="Espace réservé du contenu 2">
@@ -5843,7 +5843,7 @@
             </p:txBody>
           </p:sp>
         </mc:Choice>
-        <mc:Fallback>
+        <mc:Fallback xmlns="">
           <p:sp>
             <p:nvSpPr>
               <p:cNvPr id="3" name="Espace réservé du contenu 2">
@@ -5961,11 +5961,11 @@
   <p:clrMapOvr>
     <a:masterClrMapping/>
   </p:clrMapOvr>
-  <mc:AlternateContent xmlns:mc="http://schemas.openxmlformats.org/markup-compatibility/2006">
-    <mc:Choice xmlns:p14="http://schemas.microsoft.com/office/powerpoint/2010/main" Requires="p14">
+  <mc:AlternateContent xmlns:mc="http://schemas.openxmlformats.org/markup-compatibility/2006" xmlns:p14="http://schemas.microsoft.com/office/powerpoint/2010/main">
+    <mc:Choice Requires="p14">
       <p:transition spd="slow" p14:dur="2000" advTm="321"/>
     </mc:Choice>
-    <mc:Fallback>
+    <mc:Fallback xmlns="">
       <p:transition spd="slow" advTm="321"/>
     </mc:Fallback>
   </mc:AlternateContent>
@@ -6095,10 +6095,29 @@
                       </m:sub>
                     </m:sSub>
                     <m:r>
+                      <a:rPr lang="en-US" sz="2000" i="1">
+                        <a:latin typeface="Cambria Math" panose="02040503050406030204" pitchFamily="18" charset="0"/>
+                        <a:ea typeface="Cambria Math" panose="02040503050406030204" pitchFamily="18" charset="0"/>
+                      </a:rPr>
+                      <m:t>≈</m:t>
+                    </m:r>
+                    <m:r>
                       <a:rPr lang="en-US" sz="2000" b="0" i="1" noProof="0" smtClean="0">
                         <a:latin typeface="Cambria Math" panose="02040503050406030204" pitchFamily="18" charset="0"/>
                       </a:rPr>
-                      <m:t>=0 </m:t>
+                      <m:t>0</m:t>
+                    </m:r>
+                    <m:r>
+                      <a:rPr lang="fr-FR" sz="2000" b="0" i="1" noProof="0" smtClean="0">
+                        <a:latin typeface="Cambria Math" panose="02040503050406030204" pitchFamily="18" charset="0"/>
+                      </a:rPr>
+                      <m:t>,00</m:t>
+                    </m:r>
+                    <m:r>
+                      <a:rPr lang="en-US" sz="2000" b="0" i="1" noProof="0" smtClean="0">
+                        <a:latin typeface="Cambria Math" panose="02040503050406030204" pitchFamily="18" charset="0"/>
+                      </a:rPr>
+                      <m:t> </m:t>
                     </m:r>
                     <m:r>
                       <m:rPr>
@@ -6174,7 +6193,7 @@
                 </a:pPr>
                 <a:r>
                   <a:rPr lang="en-US" sz="1800" noProof="0" dirty="0"/>
-                  <a:t>Rotation along </a:t>
+                  <a:t>Rotation around </a:t>
                 </a:r>
                 <a14:m>
                   <m:oMath xmlns:m="http://schemas.openxmlformats.org/officeDocument/2006/math">
@@ -6256,7 +6275,7 @@
             <p:spPr>
               <a:xfrm>
                 <a:off x="6172200" y="1216800"/>
-                <a:ext cx="5181599" cy="3007605"/>
+                <a:ext cx="6019800" cy="3007605"/>
               </a:xfrm>
             </p:spPr>
             <p:txBody>
@@ -6290,7 +6309,7 @@
                       <a:rPr lang="en-US" sz="2000" b="0" i="1" noProof="0" smtClean="0">
                         <a:latin typeface="Cambria Math" panose="02040503050406030204" pitchFamily="18" charset="0"/>
                       </a:rPr>
-                      <m:t>=0.33 </m:t>
+                      <m:t>=0,34 </m:t>
                     </m:r>
                     <m:r>
                       <m:rPr>
@@ -6305,7 +6324,15 @@
                 </a14:m>
                 <a:r>
                   <a:rPr lang="en-US" sz="2000" noProof="0" dirty="0"/>
-                  <a:t> (first symmetric 					bending)</a:t>
+                  <a:t> (1</a:t>
+                </a:r>
+                <a:r>
+                  <a:rPr lang="en-US" sz="2000" baseline="30000" noProof="0" dirty="0"/>
+                  <a:t>st</a:t>
+                </a:r>
+                <a:r>
+                  <a:rPr lang="en-US" sz="2000" noProof="0" dirty="0"/>
+                  <a:t>  symmetric bending)</a:t>
                 </a:r>
               </a:p>
               <a:p>
@@ -6325,7 +6352,7 @@
                       <a:rPr lang="en-US" sz="2000" i="1" noProof="0" smtClean="0">
                         <a:latin typeface="Cambria Math" panose="02040503050406030204" pitchFamily="18" charset="0"/>
                       </a:rPr>
-                      <m:t>=0.34 </m:t>
+                      <m:t>=0,35 </m:t>
                     </m:r>
                     <m:r>
                       <m:rPr>
@@ -6340,7 +6367,15 @@
                 </a14:m>
                 <a:r>
                   <a:rPr lang="en-US" sz="2000" noProof="0" dirty="0"/>
-                  <a:t> (first anti-symmetric 				bending)</a:t>
+                  <a:t> (1</a:t>
+                </a:r>
+                <a:r>
+                  <a:rPr lang="en-US" sz="2000" baseline="30000" noProof="0" dirty="0"/>
+                  <a:t>st</a:t>
+                </a:r>
+                <a:r>
+                  <a:rPr lang="en-US" sz="2000" noProof="0" dirty="0"/>
+                  <a:t>  anti-symmetric bending)</a:t>
                 </a:r>
               </a:p>
               <a:p>
@@ -6369,7 +6404,25 @@
                       <a:rPr lang="en-US" sz="2000" b="0" i="0" noProof="0" smtClean="0">
                         <a:latin typeface="Cambria Math" panose="02040503050406030204" pitchFamily="18" charset="0"/>
                       </a:rPr>
-                      <m:t>2.02 </m:t>
+                      <m:t>2</m:t>
+                    </m:r>
+                    <m:r>
+                      <m:rPr>
+                        <m:nor/>
+                      </m:rPr>
+                      <a:rPr lang="fr-FR" sz="2000" b="0" i="0" noProof="0" smtClean="0">
+                        <a:latin typeface="Cambria Math" panose="02040503050406030204" pitchFamily="18" charset="0"/>
+                      </a:rPr>
+                      <m:t>,</m:t>
+                    </m:r>
+                    <m:r>
+                      <m:rPr>
+                        <m:nor/>
+                      </m:rPr>
+                      <a:rPr lang="en-US" sz="2000" b="0" i="0" noProof="0" smtClean="0">
+                        <a:latin typeface="Cambria Math" panose="02040503050406030204" pitchFamily="18" charset="0"/>
+                      </a:rPr>
+                      <m:t>02 </m:t>
                     </m:r>
                     <m:r>
                       <m:rPr>
@@ -6384,7 +6437,181 @@
                 </a14:m>
                 <a:r>
                   <a:rPr lang="en-US" sz="2000" noProof="0" dirty="0"/>
-                  <a:t> (antenna arm bending)</a:t>
+                  <a:t> (2</a:t>
+                </a:r>
+                <a:r>
+                  <a:rPr lang="en-US" sz="2000" baseline="30000" noProof="0" dirty="0"/>
+                  <a:t>nd</a:t>
+                </a:r>
+                <a:r>
+                  <a:rPr lang="en-US" sz="2000" noProof="0" dirty="0"/>
+                  <a:t> anti-symmetric bending)</a:t>
+                </a:r>
+              </a:p>
+              <a:p>
+                <a:r>
+                  <a:rPr lang="en-US" sz="2000" noProof="0" dirty="0"/>
+                  <a:t>Mode 7: </a:t>
+                </a:r>
+                <a14:m>
+                  <m:oMath xmlns:m="http://schemas.openxmlformats.org/officeDocument/2006/math">
+                    <m:r>
+                      <a:rPr lang="en-US" sz="2000" i="1">
+                        <a:latin typeface="Cambria Math" panose="02040503050406030204" pitchFamily="18" charset="0"/>
+                      </a:rPr>
+                      <m:t>𝑓</m:t>
+                    </m:r>
+                    <m:r>
+                      <a:rPr lang="en-US" sz="2000" i="1">
+                        <a:latin typeface="Cambria Math" panose="02040503050406030204" pitchFamily="18" charset="0"/>
+                      </a:rPr>
+                      <m:t>=</m:t>
+                    </m:r>
+                    <m:r>
+                      <m:rPr>
+                        <m:nor/>
+                      </m:rPr>
+                      <a:rPr lang="en-US" sz="2000">
+                        <a:latin typeface="Cambria Math" panose="02040503050406030204" pitchFamily="18" charset="0"/>
+                      </a:rPr>
+                      <m:t>2</m:t>
+                    </m:r>
+                    <m:r>
+                      <m:rPr>
+                        <m:nor/>
+                      </m:rPr>
+                      <a:rPr lang="fr-FR" sz="2000">
+                        <a:latin typeface="Cambria Math" panose="02040503050406030204" pitchFamily="18" charset="0"/>
+                      </a:rPr>
+                      <m:t>,</m:t>
+                    </m:r>
+                    <m:r>
+                      <m:rPr>
+                        <m:nor/>
+                      </m:rPr>
+                      <a:rPr lang="fr-FR" sz="2000" b="0" i="0" smtClean="0">
+                        <a:latin typeface="Cambria Math" panose="02040503050406030204" pitchFamily="18" charset="0"/>
+                      </a:rPr>
+                      <m:t>10</m:t>
+                    </m:r>
+                    <m:r>
+                      <m:rPr>
+                        <m:nor/>
+                      </m:rPr>
+                      <a:rPr lang="en-US" sz="2000">
+                        <a:latin typeface="Cambria Math" panose="02040503050406030204" pitchFamily="18" charset="0"/>
+                      </a:rPr>
+                      <m:t> </m:t>
+                    </m:r>
+                    <m:r>
+                      <m:rPr>
+                        <m:nor/>
+                      </m:rPr>
+                      <a:rPr lang="en-US" sz="2000">
+                        <a:latin typeface="Cambria Math" panose="02040503050406030204" pitchFamily="18" charset="0"/>
+                      </a:rPr>
+                      <m:t>Hz</m:t>
+                    </m:r>
+                  </m:oMath>
+                </a14:m>
+                <a:r>
+                  <a:rPr lang="en-US" sz="2000" dirty="0"/>
+                  <a:t> (2</a:t>
+                </a:r>
+                <a:r>
+                  <a:rPr lang="en-US" sz="2000" baseline="30000" dirty="0"/>
+                  <a:t>nd</a:t>
+                </a:r>
+                <a:r>
+                  <a:rPr lang="en-US" sz="2000" dirty="0"/>
+                  <a:t> symmetric bending)</a:t>
+                </a:r>
+              </a:p>
+              <a:p>
+                <a:r>
+                  <a:rPr lang="en-US" sz="2000" dirty="0"/>
+                  <a:t>Mode 8: </a:t>
+                </a:r>
+                <a14:m>
+                  <m:oMath xmlns:m="http://schemas.openxmlformats.org/officeDocument/2006/math">
+                    <m:r>
+                      <a:rPr lang="en-US" sz="2000" i="1">
+                        <a:latin typeface="Cambria Math" panose="02040503050406030204" pitchFamily="18" charset="0"/>
+                      </a:rPr>
+                      <m:t>𝑓</m:t>
+                    </m:r>
+                    <m:r>
+                      <a:rPr lang="en-US" sz="2000" i="1">
+                        <a:latin typeface="Cambria Math" panose="02040503050406030204" pitchFamily="18" charset="0"/>
+                      </a:rPr>
+                      <m:t>=</m:t>
+                    </m:r>
+                    <m:r>
+                      <m:rPr>
+                        <m:nor/>
+                      </m:rPr>
+                      <a:rPr lang="en-US" sz="2000">
+                        <a:latin typeface="Cambria Math" panose="02040503050406030204" pitchFamily="18" charset="0"/>
+                      </a:rPr>
+                      <m:t>2</m:t>
+                    </m:r>
+                    <m:r>
+                      <m:rPr>
+                        <m:nor/>
+                      </m:rPr>
+                      <a:rPr lang="fr-FR" sz="2000">
+                        <a:latin typeface="Cambria Math" panose="02040503050406030204" pitchFamily="18" charset="0"/>
+                      </a:rPr>
+                      <m:t>,</m:t>
+                    </m:r>
+                    <m:r>
+                      <m:rPr>
+                        <m:nor/>
+                      </m:rPr>
+                      <a:rPr lang="fr-FR" sz="2000" b="0" i="0" smtClean="0">
+                        <a:latin typeface="Cambria Math" panose="02040503050406030204" pitchFamily="18" charset="0"/>
+                      </a:rPr>
+                      <m:t>22</m:t>
+                    </m:r>
+                    <m:r>
+                      <m:rPr>
+                        <m:nor/>
+                      </m:rPr>
+                      <a:rPr lang="en-US" sz="2000">
+                        <a:latin typeface="Cambria Math" panose="02040503050406030204" pitchFamily="18" charset="0"/>
+                      </a:rPr>
+                      <m:t> </m:t>
+                    </m:r>
+                    <m:r>
+                      <m:rPr>
+                        <m:nor/>
+                      </m:rPr>
+                      <a:rPr lang="en-US" sz="2000">
+                        <a:latin typeface="Cambria Math" panose="02040503050406030204" pitchFamily="18" charset="0"/>
+                      </a:rPr>
+                      <m:t>Hz</m:t>
+                    </m:r>
+                  </m:oMath>
+                </a14:m>
+                <a:r>
+                  <a:rPr lang="en-US" sz="2000" dirty="0"/>
+                  <a:t> (</a:t>
+                </a:r>
+                <a:r>
+                  <a:rPr lang="en-US" sz="2000"/>
+                  <a:t>3</a:t>
+                </a:r>
+                <a:r>
+                  <a:rPr lang="en-US" sz="2000" baseline="30000"/>
+                  <a:t>rd</a:t>
+                </a:r>
+                <a:r>
+                  <a:rPr lang="en-US" sz="2000"/>
+                  <a:t> anti-symmetric bending</a:t>
+                </a:r>
+                <a:r>
+                  <a:rPr lang="en-US" sz="2000" dirty="0"/>
+                  <a:t>)</a:t>
                 </a:r>
               </a:p>
             </p:txBody>
@@ -6410,12 +6637,12 @@
             <p:spPr>
               <a:xfrm>
                 <a:off x="6172200" y="1216800"/>
-                <a:ext cx="5181599" cy="3007605"/>
+                <a:ext cx="6019800" cy="3007605"/>
               </a:xfrm>
               <a:blipFill>
                 <a:blip r:embed="rId3"/>
                 <a:stretch>
-                  <a:fillRect l="-1885" t="-3651" r="-1178"/>
+                  <a:fillRect l="-1621" t="-3651"/>
                 </a:stretch>
               </a:blipFill>
             </p:spPr>
@@ -6509,11 +6736,11 @@
   <p:clrMapOvr>
     <a:masterClrMapping/>
   </p:clrMapOvr>
-  <mc:AlternateContent xmlns:mc="http://schemas.openxmlformats.org/markup-compatibility/2006">
-    <mc:Choice xmlns:p14="http://schemas.microsoft.com/office/powerpoint/2010/main" Requires="p14">
+  <mc:AlternateContent xmlns:mc="http://schemas.openxmlformats.org/markup-compatibility/2006" xmlns:p14="http://schemas.microsoft.com/office/powerpoint/2010/main">
+    <mc:Choice Requires="p14">
       <p:transition spd="slow" p14:dur="2000" advTm="321"/>
     </mc:Choice>
-    <mc:Fallback>
+    <mc:Fallback xmlns="">
       <p:transition spd="slow" advTm="321"/>
     </mc:Fallback>
   </mc:AlternateContent>
@@ -6543,8 +6770,8 @@
           <a:chExt cx="0" cy="0"/>
         </a:xfrm>
       </p:grpSpPr>
-      <mc:AlternateContent xmlns:mc="http://schemas.openxmlformats.org/markup-compatibility/2006">
-        <mc:Choice xmlns:a14="http://schemas.microsoft.com/office/drawing/2010/main" Requires="a14">
+      <mc:AlternateContent xmlns:mc="http://schemas.openxmlformats.org/markup-compatibility/2006" xmlns:a14="http://schemas.microsoft.com/office/drawing/2010/main">
+        <mc:Choice Requires="a14">
           <p:sp>
             <p:nvSpPr>
               <p:cNvPr id="2" name="Titre 1">
@@ -6611,7 +6838,7 @@
             </p:txBody>
           </p:sp>
         </mc:Choice>
-        <mc:Fallback>
+        <mc:Fallback xmlns="">
           <p:sp>
             <p:nvSpPr>
               <p:cNvPr id="2" name="Titre 1">
@@ -6880,7 +7107,7 @@
                   <a:rPr lang="en-US" sz="2400" b="1" noProof="0" dirty="0"/>
                   <a:t>Low-frequency behavior</a:t>
                 </a:r>
-                <a:endParaRPr lang="en-US" sz="2000" noProof="0" dirty="0"/>
+                <a:endParaRPr lang="en-US" sz="2400" noProof="0" dirty="0"/>
               </a:p>
               <a:p>
                 <a14:m>
@@ -7007,62 +7234,73 @@
                         </m:ctrlPr>
                       </m:fPr>
                       <m:num>
-                        <m:sSub>
-                          <m:sSubPr>
+                        <m:d>
+                          <m:dPr>
                             <m:ctrlPr>
-                              <a:rPr lang="en-US" sz="2000" i="1" noProof="0" smtClean="0">
+                              <a:rPr lang="fr-FR" sz="2000" b="0" i="1" noProof="0" smtClean="0">
                                 <a:latin typeface="Cambria Math" panose="02040503050406030204" pitchFamily="18" charset="0"/>
                               </a:rPr>
                             </m:ctrlPr>
-                          </m:sSubPr>
+                          </m:dPr>
                           <m:e>
+                            <m:sSub>
+                              <m:sSubPr>
+                                <m:ctrlPr>
+                                  <a:rPr lang="en-US" sz="2000" i="1" noProof="0" smtClean="0">
+                                    <a:latin typeface="Cambria Math" panose="02040503050406030204" pitchFamily="18" charset="0"/>
+                                  </a:rPr>
+                                </m:ctrlPr>
+                              </m:sSubPr>
+                              <m:e>
+                                <m:r>
+                                  <a:rPr lang="en-US" sz="2000" i="1" noProof="0" smtClean="0">
+                                    <a:latin typeface="Cambria Math" panose="02040503050406030204" pitchFamily="18" charset="0"/>
+                                  </a:rPr>
+                                  <m:t>𝑦</m:t>
+                                </m:r>
+                              </m:e>
+                              <m:sub>
+                                <m:r>
+                                  <a:rPr lang="en-US" sz="2000" i="1" noProof="0" smtClean="0">
+                                    <a:latin typeface="Cambria Math" panose="02040503050406030204" pitchFamily="18" charset="0"/>
+                                  </a:rPr>
+                                  <m:t>2</m:t>
+                                </m:r>
+                              </m:sub>
+                            </m:sSub>
                             <m:r>
                               <a:rPr lang="en-US" sz="2000" i="1" noProof="0" smtClean="0">
                                 <a:latin typeface="Cambria Math" panose="02040503050406030204" pitchFamily="18" charset="0"/>
                               </a:rPr>
-                              <m:t>𝑦</m:t>
+                              <m:t>−</m:t>
                             </m:r>
+                            <m:sSub>
+                              <m:sSubPr>
+                                <m:ctrlPr>
+                                  <a:rPr lang="en-US" sz="2000" i="1" noProof="0" smtClean="0">
+                                    <a:latin typeface="Cambria Math" panose="02040503050406030204" pitchFamily="18" charset="0"/>
+                                  </a:rPr>
+                                </m:ctrlPr>
+                              </m:sSubPr>
+                              <m:e>
+                                <m:r>
+                                  <a:rPr lang="en-US" sz="2000" i="1" noProof="0" smtClean="0">
+                                    <a:latin typeface="Cambria Math" panose="02040503050406030204" pitchFamily="18" charset="0"/>
+                                  </a:rPr>
+                                  <m:t>𝑦</m:t>
+                                </m:r>
+                              </m:e>
+                              <m:sub>
+                                <m:r>
+                                  <a:rPr lang="en-US" sz="2000" i="1" noProof="0" smtClean="0">
+                                    <a:latin typeface="Cambria Math" panose="02040503050406030204" pitchFamily="18" charset="0"/>
+                                  </a:rPr>
+                                  <m:t>𝑐</m:t>
+                                </m:r>
+                              </m:sub>
+                            </m:sSub>
                           </m:e>
-                          <m:sub>
-                            <m:r>
-                              <a:rPr lang="en-US" sz="2000" i="1" noProof="0" smtClean="0">
-                                <a:latin typeface="Cambria Math" panose="02040503050406030204" pitchFamily="18" charset="0"/>
-                              </a:rPr>
-                              <m:t>2</m:t>
-                            </m:r>
-                          </m:sub>
-                        </m:sSub>
-                        <m:r>
-                          <a:rPr lang="en-US" sz="2000" i="1" noProof="0" smtClean="0">
-                            <a:latin typeface="Cambria Math" panose="02040503050406030204" pitchFamily="18" charset="0"/>
-                          </a:rPr>
-                          <m:t>−</m:t>
-                        </m:r>
-                        <m:sSub>
-                          <m:sSubPr>
-                            <m:ctrlPr>
-                              <a:rPr lang="en-US" sz="2000" i="1" noProof="0" smtClean="0">
-                                <a:latin typeface="Cambria Math" panose="02040503050406030204" pitchFamily="18" charset="0"/>
-                              </a:rPr>
-                            </m:ctrlPr>
-                          </m:sSubPr>
-                          <m:e>
-                            <m:r>
-                              <a:rPr lang="en-US" sz="2000" i="1" noProof="0" smtClean="0">
-                                <a:latin typeface="Cambria Math" panose="02040503050406030204" pitchFamily="18" charset="0"/>
-                              </a:rPr>
-                              <m:t>𝑦</m:t>
-                            </m:r>
-                          </m:e>
-                          <m:sub>
-                            <m:r>
-                              <a:rPr lang="en-US" sz="2000" i="1" noProof="0" smtClean="0">
-                                <a:latin typeface="Cambria Math" panose="02040503050406030204" pitchFamily="18" charset="0"/>
-                              </a:rPr>
-                              <m:t>𝑐</m:t>
-                            </m:r>
-                          </m:sub>
-                        </m:sSub>
+                        </m:d>
                       </m:num>
                       <m:den>
                         <m:sSub>
@@ -7132,7 +7370,7 @@
                 </a:pPr>
                 <a:r>
                   <a:rPr lang="en-US" noProof="0" dirty="0"/>
-                  <a:t> Remain finite (elastic strain energy)</a:t>
+                  <a:t> Remains finite (elastic strain energy)</a:t>
                 </a:r>
               </a:p>
             </p:txBody>
@@ -7163,7 +7401,7 @@
               <a:blipFill>
                 <a:blip r:embed="rId4"/>
                 <a:stretch>
-                  <a:fillRect l="-1829" t="-1505"/>
+                  <a:fillRect l="-1829" t="-1505" r="-1029"/>
                 </a:stretch>
               </a:blipFill>
             </p:spPr>
@@ -7256,11 +7494,11 @@
   <p:clrMapOvr>
     <a:masterClrMapping/>
   </p:clrMapOvr>
-  <mc:AlternateContent xmlns:mc="http://schemas.openxmlformats.org/markup-compatibility/2006">
-    <mc:Choice xmlns:p14="http://schemas.microsoft.com/office/powerpoint/2010/main" Requires="p14">
+  <mc:AlternateContent xmlns:mc="http://schemas.openxmlformats.org/markup-compatibility/2006" xmlns:p14="http://schemas.microsoft.com/office/powerpoint/2010/main">
+    <mc:Choice Requires="p14">
       <p:transition spd="slow" p14:dur="2000" advTm="321"/>
     </mc:Choice>
-    <mc:Fallback>
+    <mc:Fallback xmlns="">
       <p:transition spd="slow" advTm="321"/>
     </mc:Fallback>
   </mc:AlternateContent>
@@ -7290,8 +7528,8 @@
           <a:chExt cx="0" cy="0"/>
         </a:xfrm>
       </p:grpSpPr>
-      <mc:AlternateContent xmlns:mc="http://schemas.openxmlformats.org/markup-compatibility/2006">
-        <mc:Choice xmlns:a14="http://schemas.microsoft.com/office/drawing/2010/main" Requires="a14">
+      <mc:AlternateContent xmlns:mc="http://schemas.openxmlformats.org/markup-compatibility/2006" xmlns:a14="http://schemas.microsoft.com/office/drawing/2010/main">
+        <mc:Choice Requires="a14">
           <p:sp>
             <p:nvSpPr>
               <p:cNvPr id="2" name="Titre 1">
@@ -7358,7 +7596,7 @@
             </p:txBody>
           </p:sp>
         </mc:Choice>
-        <mc:Fallback>
+        <mc:Fallback xmlns="">
           <p:sp>
             <p:nvSpPr>
               <p:cNvPr id="2" name="Titre 1">
@@ -7445,103 +7683,125 @@
                   <a:rPr lang="en-US" sz="2000" noProof="0" dirty="0"/>
                   <a:t>Tip displacement: </a:t>
                 </a:r>
+              </a:p>
+              <a:p>
+                <a:pPr marL="0" indent="0">
+                  <a:buNone/>
+                </a:pPr>
                 <a14:m>
-                  <m:oMath xmlns:m="http://schemas.openxmlformats.org/officeDocument/2006/math">
-                    <m:f>
-                      <m:fPr>
-                        <m:ctrlPr>
-                          <a:rPr lang="en-US" sz="2000" i="1" noProof="0" smtClean="0">
-                            <a:latin typeface="Cambria Math" panose="02040503050406030204" pitchFamily="18" charset="0"/>
-                          </a:rPr>
-                        </m:ctrlPr>
-                      </m:fPr>
-                      <m:num>
-                        <m:sSub>
-                          <m:sSubPr>
-                            <m:ctrlPr>
-                              <a:rPr lang="en-US" sz="2000" b="0" i="1" noProof="0" smtClean="0">
-                                <a:latin typeface="Cambria Math" panose="02040503050406030204" pitchFamily="18" charset="0"/>
-                              </a:rPr>
-                            </m:ctrlPr>
-                          </m:sSubPr>
-                          <m:e>
-                            <m:r>
-                              <a:rPr lang="en-US" sz="2000" b="0" i="1" noProof="0" smtClean="0">
-                                <a:latin typeface="Cambria Math" panose="02040503050406030204" pitchFamily="18" charset="0"/>
-                              </a:rPr>
-                              <m:t>𝑦</m:t>
-                            </m:r>
-                          </m:e>
-                          <m:sub>
-                            <m:r>
-                              <a:rPr lang="en-US" sz="2000" b="0" i="1" noProof="0" smtClean="0">
-                                <a:latin typeface="Cambria Math" panose="02040503050406030204" pitchFamily="18" charset="0"/>
-                              </a:rPr>
-                              <m:t>2</m:t>
-                            </m:r>
-                          </m:sub>
-                        </m:sSub>
-                        <m:r>
-                          <a:rPr lang="en-US" sz="2000" b="0" i="1" noProof="0" smtClean="0">
-                            <a:latin typeface="Cambria Math" panose="02040503050406030204" pitchFamily="18" charset="0"/>
-                          </a:rPr>
-                          <m:t>+8</m:t>
-                        </m:r>
-                        <m:sSub>
-                          <m:sSubPr>
-                            <m:ctrlPr>
-                              <a:rPr lang="en-US" sz="2000" b="0" i="1" noProof="0" smtClean="0">
-                                <a:latin typeface="Cambria Math" panose="02040503050406030204" pitchFamily="18" charset="0"/>
-                              </a:rPr>
-                            </m:ctrlPr>
-                          </m:sSubPr>
-                          <m:e>
-                            <m:r>
-                              <a:rPr lang="en-US" sz="2000" b="0" i="1" noProof="0" smtClean="0">
-                                <a:latin typeface="Cambria Math" panose="02040503050406030204" pitchFamily="18" charset="0"/>
-                              </a:rPr>
-                              <m:t>𝜃</m:t>
-                            </m:r>
-                          </m:e>
-                          <m:sub>
-                            <m:r>
-                              <a:rPr lang="en-US" sz="2000" b="0" i="1" noProof="0" smtClean="0">
-                                <a:latin typeface="Cambria Math" panose="02040503050406030204" pitchFamily="18" charset="0"/>
-                              </a:rPr>
-                              <m:t>𝑐</m:t>
-                            </m:r>
-                          </m:sub>
-                        </m:sSub>
-                      </m:num>
-                      <m:den>
-                        <m:sSub>
-                          <m:sSubPr>
-                            <m:ctrlPr>
-                              <a:rPr lang="en-US" sz="2000" b="0" i="1" noProof="0" smtClean="0">
-                                <a:latin typeface="Cambria Math" panose="02040503050406030204" pitchFamily="18" charset="0"/>
-                              </a:rPr>
-                            </m:ctrlPr>
-                          </m:sSubPr>
-                          <m:e>
-                            <m:r>
-                              <a:rPr lang="en-US" sz="2000" b="0" i="1" noProof="0" smtClean="0">
-                                <a:latin typeface="Cambria Math" panose="02040503050406030204" pitchFamily="18" charset="0"/>
-                              </a:rPr>
-                              <m:t>𝑀</m:t>
-                            </m:r>
-                          </m:e>
-                          <m:sub>
-                            <m:r>
-                              <a:rPr lang="en-US" sz="2000" b="0" i="1" noProof="0" smtClean="0">
-                                <a:latin typeface="Cambria Math" panose="02040503050406030204" pitchFamily="18" charset="0"/>
-                              </a:rPr>
-                              <m:t>𝑐</m:t>
-                            </m:r>
-                          </m:sub>
-                        </m:sSub>
-                      </m:den>
-                    </m:f>
-                  </m:oMath>
+                  <m:oMathPara xmlns:m="http://schemas.openxmlformats.org/officeDocument/2006/math">
+                    <m:oMathParaPr>
+                      <m:jc m:val="centerGroup"/>
+                    </m:oMathParaPr>
+                    <m:oMath xmlns:m="http://schemas.openxmlformats.org/officeDocument/2006/math">
+                      <m:f>
+                        <m:fPr>
+                          <m:ctrlPr>
+                            <a:rPr lang="en-US" sz="2000" i="1" noProof="0" smtClean="0">
+                              <a:latin typeface="Cambria Math" panose="02040503050406030204" pitchFamily="18" charset="0"/>
+                            </a:rPr>
+                          </m:ctrlPr>
+                        </m:fPr>
+                        <m:num>
+                          <m:sSub>
+                            <m:sSubPr>
+                              <m:ctrlPr>
+                                <a:rPr lang="en-US" sz="2000" b="0" i="1" noProof="0" smtClean="0">
+                                  <a:latin typeface="Cambria Math" panose="02040503050406030204" pitchFamily="18" charset="0"/>
+                                </a:rPr>
+                              </m:ctrlPr>
+                            </m:sSubPr>
+                            <m:e>
+                              <m:r>
+                                <a:rPr lang="en-US" sz="2000" b="0" i="1" noProof="0" smtClean="0">
+                                  <a:latin typeface="Cambria Math" panose="02040503050406030204" pitchFamily="18" charset="0"/>
+                                </a:rPr>
+                                <m:t>𝑦</m:t>
+                              </m:r>
+                            </m:e>
+                            <m:sub>
+                              <m:r>
+                                <a:rPr lang="en-US" sz="2000" b="0" i="1" noProof="0" smtClean="0">
+                                  <a:latin typeface="Cambria Math" panose="02040503050406030204" pitchFamily="18" charset="0"/>
+                                </a:rPr>
+                                <m:t>2</m:t>
+                              </m:r>
+                            </m:sub>
+                          </m:sSub>
+                          <m:r>
+                            <a:rPr lang="en-US" sz="2000" b="0" i="1" noProof="0" smtClean="0">
+                              <a:latin typeface="Cambria Math" panose="02040503050406030204" pitchFamily="18" charset="0"/>
+                            </a:rPr>
+                            <m:t>+8</m:t>
+                          </m:r>
+                          <m:r>
+                            <a:rPr lang="fr-FR" sz="2000" b="0" i="1" noProof="0" smtClean="0">
+                              <a:latin typeface="Cambria Math" panose="02040503050406030204" pitchFamily="18" charset="0"/>
+                            </a:rPr>
+                            <m:t>𝑚</m:t>
+                          </m:r>
+                          <m:r>
+                            <a:rPr lang="fr-FR" sz="2000" b="0" i="1" noProof="0" smtClean="0">
+                              <a:latin typeface="Cambria Math" panose="02040503050406030204" pitchFamily="18" charset="0"/>
+                            </a:rPr>
+                            <m:t>⋅</m:t>
+                          </m:r>
+                          <m:sSub>
+                            <m:sSubPr>
+                              <m:ctrlPr>
+                                <a:rPr lang="en-US" sz="2000" b="0" i="1" noProof="0" smtClean="0">
+                                  <a:latin typeface="Cambria Math" panose="02040503050406030204" pitchFamily="18" charset="0"/>
+                                </a:rPr>
+                              </m:ctrlPr>
+                            </m:sSubPr>
+                            <m:e>
+                              <m:r>
+                                <a:rPr lang="en-US" sz="2000" b="0" i="1" noProof="0" smtClean="0">
+                                  <a:latin typeface="Cambria Math" panose="02040503050406030204" pitchFamily="18" charset="0"/>
+                                </a:rPr>
+                                <m:t>𝜃</m:t>
+                              </m:r>
+                            </m:e>
+                            <m:sub>
+                              <m:r>
+                                <a:rPr lang="en-US" sz="2000" b="0" i="1" noProof="0" smtClean="0">
+                                  <a:latin typeface="Cambria Math" panose="02040503050406030204" pitchFamily="18" charset="0"/>
+                                </a:rPr>
+                                <m:t>𝑐</m:t>
+                              </m:r>
+                            </m:sub>
+                          </m:sSub>
+                        </m:num>
+                        <m:den>
+                          <m:sSub>
+                            <m:sSubPr>
+                              <m:ctrlPr>
+                                <a:rPr lang="en-US" sz="2000" b="0" i="1" noProof="0" smtClean="0">
+                                  <a:latin typeface="Cambria Math" panose="02040503050406030204" pitchFamily="18" charset="0"/>
+                                </a:rPr>
+                              </m:ctrlPr>
+                            </m:sSubPr>
+                            <m:e>
+                              <m:r>
+                                <a:rPr lang="en-US" sz="2000" b="0" i="1" noProof="0" smtClean="0">
+                                  <a:latin typeface="Cambria Math" panose="02040503050406030204" pitchFamily="18" charset="0"/>
+                                </a:rPr>
+                                <m:t>𝑀</m:t>
+                              </m:r>
+                            </m:e>
+                            <m:sub>
+                              <m:r>
+                                <a:rPr lang="en-US" sz="2000" b="0" i="1" noProof="0" smtClean="0">
+                                  <a:latin typeface="Cambria Math" panose="02040503050406030204" pitchFamily="18" charset="0"/>
+                                </a:rPr>
+                                <m:t>𝑐</m:t>
+                              </m:r>
+                            </m:sub>
+                          </m:sSub>
+                        </m:den>
+                      </m:f>
+                    </m:oMath>
+                  </m:oMathPara>
                 </a14:m>
                 <a:endParaRPr lang="en-US" sz="2000" b="0" noProof="0" dirty="0"/>
               </a:p>
@@ -7564,103 +7824,113 @@
                   <a:rPr lang="en-US" sz="2000" noProof="0" dirty="0"/>
                   <a:t>Pointing error: </a:t>
                 </a:r>
+              </a:p>
+              <a:p>
+                <a:pPr marL="0" indent="0">
+                  <a:buNone/>
+                </a:pPr>
                 <a14:m>
-                  <m:oMath xmlns:m="http://schemas.openxmlformats.org/officeDocument/2006/math">
-                    <m:f>
-                      <m:fPr>
-                        <m:ctrlPr>
-                          <a:rPr lang="en-US" sz="2000" i="1" noProof="0" smtClean="0">
-                            <a:latin typeface="Cambria Math" panose="02040503050406030204" pitchFamily="18" charset="0"/>
-                          </a:rPr>
-                        </m:ctrlPr>
-                      </m:fPr>
-                      <m:num>
-                        <m:sSub>
-                          <m:sSubPr>
-                            <m:ctrlPr>
-                              <a:rPr lang="en-US" sz="2000" b="0" i="1" noProof="0" smtClean="0">
-                                <a:latin typeface="Cambria Math" panose="02040503050406030204" pitchFamily="18" charset="0"/>
-                              </a:rPr>
-                            </m:ctrlPr>
-                          </m:sSubPr>
-                          <m:e>
-                            <m:r>
-                              <a:rPr lang="en-US" sz="2000" b="0" i="1" noProof="0" smtClean="0">
-                                <a:latin typeface="Cambria Math" panose="02040503050406030204" pitchFamily="18" charset="0"/>
-                              </a:rPr>
-                              <m:t>𝜃</m:t>
-                            </m:r>
-                          </m:e>
-                          <m:sub>
-                            <m:r>
-                              <a:rPr lang="en-US" sz="2000" b="0" i="1" noProof="0" smtClean="0">
-                                <a:latin typeface="Cambria Math" panose="02040503050406030204" pitchFamily="18" charset="0"/>
-                              </a:rPr>
-                              <m:t>𝑎</m:t>
-                            </m:r>
-                          </m:sub>
-                        </m:sSub>
-                        <m:r>
-                          <a:rPr lang="en-US" sz="2000" b="0" i="1" noProof="0" smtClean="0">
-                            <a:latin typeface="Cambria Math" panose="02040503050406030204" pitchFamily="18" charset="0"/>
-                          </a:rPr>
-                          <m:t>−</m:t>
-                        </m:r>
-                        <m:sSub>
-                          <m:sSubPr>
-                            <m:ctrlPr>
-                              <a:rPr lang="en-US" sz="2000" b="0" i="1" noProof="0" smtClean="0">
-                                <a:latin typeface="Cambria Math" panose="02040503050406030204" pitchFamily="18" charset="0"/>
-                              </a:rPr>
-                            </m:ctrlPr>
-                          </m:sSubPr>
-                          <m:e>
-                            <m:r>
-                              <a:rPr lang="en-US" sz="2000" b="0" i="1" noProof="0" smtClean="0">
-                                <a:latin typeface="Cambria Math" panose="02040503050406030204" pitchFamily="18" charset="0"/>
-                              </a:rPr>
-                              <m:t>𝜃</m:t>
-                            </m:r>
-                          </m:e>
-                          <m:sub>
-                            <m:r>
-                              <a:rPr lang="en-US" sz="2000" b="0" i="1" noProof="0" smtClean="0">
-                                <a:latin typeface="Cambria Math" panose="02040503050406030204" pitchFamily="18" charset="0"/>
-                              </a:rPr>
-                              <m:t>𝑐</m:t>
-                            </m:r>
-                          </m:sub>
-                        </m:sSub>
-                      </m:num>
-                      <m:den>
-                        <m:sSub>
-                          <m:sSubPr>
-                            <m:ctrlPr>
-                              <a:rPr lang="en-US" sz="2000" b="0" i="1" noProof="0" smtClean="0">
-                                <a:latin typeface="Cambria Math" panose="02040503050406030204" pitchFamily="18" charset="0"/>
-                              </a:rPr>
-                            </m:ctrlPr>
-                          </m:sSubPr>
-                          <m:e>
-                            <m:r>
-                              <a:rPr lang="en-US" sz="2000" b="0" i="1" noProof="0" smtClean="0">
-                                <a:latin typeface="Cambria Math" panose="02040503050406030204" pitchFamily="18" charset="0"/>
-                              </a:rPr>
-                              <m:t>𝑀</m:t>
-                            </m:r>
-                          </m:e>
-                          <m:sub>
-                            <m:r>
-                              <a:rPr lang="en-US" sz="2000" b="0" i="1" noProof="0" smtClean="0">
-                                <a:latin typeface="Cambria Math" panose="02040503050406030204" pitchFamily="18" charset="0"/>
-                              </a:rPr>
-                              <m:t>𝑐</m:t>
-                            </m:r>
-                          </m:sub>
-                        </m:sSub>
-                      </m:den>
-                    </m:f>
-                  </m:oMath>
+                  <m:oMathPara xmlns:m="http://schemas.openxmlformats.org/officeDocument/2006/math">
+                    <m:oMathParaPr>
+                      <m:jc m:val="centerGroup"/>
+                    </m:oMathParaPr>
+                    <m:oMath xmlns:m="http://schemas.openxmlformats.org/officeDocument/2006/math">
+                      <m:f>
+                        <m:fPr>
+                          <m:ctrlPr>
+                            <a:rPr lang="en-US" sz="2000" i="1" noProof="0" smtClean="0">
+                              <a:latin typeface="Cambria Math" panose="02040503050406030204" pitchFamily="18" charset="0"/>
+                            </a:rPr>
+                          </m:ctrlPr>
+                        </m:fPr>
+                        <m:num>
+                          <m:sSub>
+                            <m:sSubPr>
+                              <m:ctrlPr>
+                                <a:rPr lang="en-US" sz="2000" b="0" i="1" noProof="0" smtClean="0">
+                                  <a:latin typeface="Cambria Math" panose="02040503050406030204" pitchFamily="18" charset="0"/>
+                                </a:rPr>
+                              </m:ctrlPr>
+                            </m:sSubPr>
+                            <m:e>
+                              <m:r>
+                                <a:rPr lang="en-US" sz="2000" b="0" i="1" noProof="0" smtClean="0">
+                                  <a:latin typeface="Cambria Math" panose="02040503050406030204" pitchFamily="18" charset="0"/>
+                                </a:rPr>
+                                <m:t>𝜃</m:t>
+                              </m:r>
+                            </m:e>
+                            <m:sub>
+                              <m:r>
+                                <a:rPr lang="en-US" sz="2000" b="0" i="1" noProof="0" smtClean="0">
+                                  <a:latin typeface="Cambria Math" panose="02040503050406030204" pitchFamily="18" charset="0"/>
+                                </a:rPr>
+                                <m:t>𝑎</m:t>
+                              </m:r>
+                            </m:sub>
+                          </m:sSub>
+                          <m:r>
+                            <a:rPr lang="en-US" sz="2000" b="0" i="1" noProof="0" smtClean="0">
+                              <a:latin typeface="Cambria Math" panose="02040503050406030204" pitchFamily="18" charset="0"/>
+                            </a:rPr>
+                            <m:t>−</m:t>
+                          </m:r>
+                          <m:sSub>
+                            <m:sSubPr>
+                              <m:ctrlPr>
+                                <a:rPr lang="en-US" sz="2000" b="0" i="1" noProof="0" smtClean="0">
+                                  <a:latin typeface="Cambria Math" panose="02040503050406030204" pitchFamily="18" charset="0"/>
+                                </a:rPr>
+                              </m:ctrlPr>
+                            </m:sSubPr>
+                            <m:e>
+                              <m:r>
+                                <a:rPr lang="en-US" sz="2000" b="0" i="1" noProof="0" smtClean="0">
+                                  <a:latin typeface="Cambria Math" panose="02040503050406030204" pitchFamily="18" charset="0"/>
+                                </a:rPr>
+                                <m:t>𝜃</m:t>
+                              </m:r>
+                            </m:e>
+                            <m:sub>
+                              <m:r>
+                                <a:rPr lang="en-US" sz="2000" b="0" i="1" noProof="0" smtClean="0">
+                                  <a:latin typeface="Cambria Math" panose="02040503050406030204" pitchFamily="18" charset="0"/>
+                                </a:rPr>
+                                <m:t>𝑐</m:t>
+                              </m:r>
+                            </m:sub>
+                          </m:sSub>
+                        </m:num>
+                        <m:den>
+                          <m:sSub>
+                            <m:sSubPr>
+                              <m:ctrlPr>
+                                <a:rPr lang="en-US" sz="2000" b="0" i="1" noProof="0" smtClean="0">
+                                  <a:latin typeface="Cambria Math" panose="02040503050406030204" pitchFamily="18" charset="0"/>
+                                </a:rPr>
+                              </m:ctrlPr>
+                            </m:sSubPr>
+                            <m:e>
+                              <m:r>
+                                <a:rPr lang="en-US" sz="2000" b="0" i="1" noProof="0" smtClean="0">
+                                  <a:latin typeface="Cambria Math" panose="02040503050406030204" pitchFamily="18" charset="0"/>
+                                </a:rPr>
+                                <m:t>𝑀</m:t>
+                              </m:r>
+                            </m:e>
+                            <m:sub>
+                              <m:r>
+                                <a:rPr lang="en-US" sz="2000" b="0" i="1" noProof="0" smtClean="0">
+                                  <a:latin typeface="Cambria Math" panose="02040503050406030204" pitchFamily="18" charset="0"/>
+                                </a:rPr>
+                                <m:t>𝑐</m:t>
+                              </m:r>
+                            </m:sub>
+                          </m:sSub>
+                        </m:den>
+                      </m:f>
+                    </m:oMath>
+                  </m:oMathPara>
                 </a14:m>
                 <a:endParaRPr lang="en-US" sz="2000" noProof="0" dirty="0"/>
               </a:p>
@@ -7820,11 +8090,11 @@
   <p:clrMapOvr>
     <a:masterClrMapping/>
   </p:clrMapOvr>
-  <mc:AlternateContent xmlns:mc="http://schemas.openxmlformats.org/markup-compatibility/2006">
-    <mc:Choice xmlns:p14="http://schemas.microsoft.com/office/powerpoint/2010/main" Requires="p14">
+  <mc:AlternateContent xmlns:mc="http://schemas.openxmlformats.org/markup-compatibility/2006" xmlns:p14="http://schemas.microsoft.com/office/powerpoint/2010/main">
+    <mc:Choice Requires="p14">
       <p:transition spd="slow" p14:dur="2000" advTm="321"/>
     </mc:Choice>
-    <mc:Fallback>
+    <mc:Fallback xmlns="">
       <p:transition spd="slow" advTm="321"/>
     </mc:Fallback>
   </mc:AlternateContent>
@@ -8037,6 +8307,14 @@
                 <a:pPr marL="0" indent="0">
                   <a:buNone/>
                 </a:pPr>
+                <a:endParaRPr lang="en-US" sz="2000" b="0" noProof="0" dirty="0">
+                  <a:sym typeface="Wingdings 3" panose="05040102010807070707" pitchFamily="18" charset="2"/>
+                </a:endParaRPr>
+              </a:p>
+              <a:p>
+                <a:pPr marL="0" indent="0">
+                  <a:buNone/>
+                </a:pPr>
                 <a:r>
                   <a:rPr lang="en-US" sz="2400" b="1" noProof="0" dirty="0"/>
                   <a:t>Damping approximation</a:t>
@@ -8114,10 +8392,33 @@
                       <a:rPr lang="en-US" sz="2000" b="0" i="1" noProof="0" smtClean="0">
                         <a:latin typeface="Cambria Math" panose="02040503050406030204" pitchFamily="18" charset="0"/>
                       </a:rPr>
-                      <m:t>=0,01 (1%)</m:t>
+                      <m:t>=0,01 </m:t>
                     </m:r>
+                    <m:d>
+                      <m:dPr>
+                        <m:ctrlPr>
+                          <a:rPr lang="en-US" sz="2000" b="0" i="1" noProof="0" smtClean="0">
+                            <a:latin typeface="Cambria Math" panose="02040503050406030204" pitchFamily="18" charset="0"/>
+                          </a:rPr>
+                        </m:ctrlPr>
+                      </m:dPr>
+                      <m:e>
+                        <m:r>
+                          <a:rPr lang="en-US" sz="2000" b="0" i="1" noProof="0" smtClean="0">
+                            <a:latin typeface="Cambria Math" panose="02040503050406030204" pitchFamily="18" charset="0"/>
+                          </a:rPr>
+                          <m:t>1%</m:t>
+                        </m:r>
+                      </m:e>
+                    </m:d>
                   </m:oMath>
                 </a14:m>
+                <a:endParaRPr lang="fr-FR" sz="2000" b="0" noProof="0" dirty="0"/>
+              </a:p>
+              <a:p>
+                <a:pPr marL="0" indent="0">
+                  <a:buNone/>
+                </a:pPr>
                 <a:endParaRPr lang="en-US" sz="2000" b="0" noProof="0" dirty="0"/>
               </a:p>
               <a:p>
@@ -8144,7 +8445,7 @@
               <a:p>
                 <a:r>
                   <a:rPr lang="en-US" sz="2000" b="0" noProof="0" dirty="0"/>
-                  <a:t>Small differences due to damping model conversion (hysteric </a:t>
+                  <a:t>Small differences due to damping model conversion (hysteretic </a:t>
                 </a:r>
                 <a14:m>
                   <m:oMath xmlns:m="http://schemas.openxmlformats.org/officeDocument/2006/math">
@@ -8282,11 +8583,11 @@
   <p:clrMapOvr>
     <a:masterClrMapping/>
   </p:clrMapOvr>
-  <mc:AlternateContent xmlns:mc="http://schemas.openxmlformats.org/markup-compatibility/2006">
-    <mc:Choice xmlns:p14="http://schemas.microsoft.com/office/powerpoint/2010/main" Requires="p14">
+  <mc:AlternateContent xmlns:mc="http://schemas.openxmlformats.org/markup-compatibility/2006" xmlns:p14="http://schemas.microsoft.com/office/powerpoint/2010/main">
+    <mc:Choice Requires="p14">
       <p:transition spd="slow" p14:dur="2000" advTm="321"/>
     </mc:Choice>
-    <mc:Fallback>
+    <mc:Fallback xmlns="">
       <p:transition spd="slow" advTm="321"/>
     </mc:Fallback>
   </mc:AlternateContent>
@@ -8433,7 +8734,16 @@
                       <a:rPr lang="en-US" sz="2000" b="0" i="1" noProof="0" smtClean="0">
                         <a:latin typeface="Cambria Math" panose="02040503050406030204" pitchFamily="18" charset="0"/>
                       </a:rPr>
-                      <m:t>0,33</m:t>
+                      <m:t>0,3</m:t>
+                    </m:r>
+                    <m:r>
+                      <m:rPr>
+                        <m:nor/>
+                      </m:rPr>
+                      <a:rPr lang="fr-FR" sz="2000" b="0" i="0" noProof="0" smtClean="0">
+                        <a:latin typeface="Cambria Math" panose="02040503050406030204" pitchFamily="18" charset="0"/>
+                      </a:rPr>
+                      <m:t>4</m:t>
                     </m:r>
                     <m:r>
                       <m:rPr>
@@ -8808,13 +9118,31 @@
                               <a:rPr lang="en-US" sz="2000" b="0" i="1" noProof="0" smtClean="0">
                                 <a:latin typeface="Cambria Math" panose="02040503050406030204" pitchFamily="18" charset="0"/>
                               </a:rPr>
-                              <m:t>8(1+</m:t>
+                              <m:t>8</m:t>
+                            </m:r>
+                            <m:r>
+                              <a:rPr lang="fr-FR" sz="2000" b="0" i="1" noProof="0" smtClean="0">
+                                <a:latin typeface="Cambria Math" panose="02040503050406030204" pitchFamily="18" charset="0"/>
+                              </a:rPr>
+                              <m:t>⋅</m:t>
+                            </m:r>
+                            <m:r>
+                              <a:rPr lang="en-US" sz="2000" b="0" i="1" noProof="0" smtClean="0">
+                                <a:latin typeface="Cambria Math" panose="02040503050406030204" pitchFamily="18" charset="0"/>
+                              </a:rPr>
+                              <m:t>(1+</m:t>
                             </m:r>
                             <m:r>
                               <a:rPr lang="en-US" sz="2000" b="0" i="1" noProof="0" smtClean="0">
                                 <a:latin typeface="Cambria Math" panose="02040503050406030204" pitchFamily="18" charset="0"/>
                               </a:rPr>
                               <m:t>𝜇</m:t>
+                            </m:r>
+                            <m:r>
+                              <a:rPr lang="fr-FR" sz="2000" b="0" i="1" noProof="0" smtClean="0">
+                                <a:latin typeface="Cambria Math" panose="02040503050406030204" pitchFamily="18" charset="0"/>
+                              </a:rPr>
+                              <m:t>)</m:t>
                             </m:r>
                           </m:den>
                         </m:f>
@@ -8900,8 +9228,8 @@
           </a:p>
         </p:txBody>
       </p:sp>
-      <mc:AlternateContent xmlns:mc="http://schemas.openxmlformats.org/markup-compatibility/2006">
-        <mc:Choice xmlns:a14="http://schemas.microsoft.com/office/drawing/2010/main" Requires="a14">
+      <mc:AlternateContent xmlns:mc="http://schemas.openxmlformats.org/markup-compatibility/2006" xmlns:a14="http://schemas.microsoft.com/office/drawing/2010/main">
+        <mc:Choice Requires="a14">
           <p:graphicFrame>
             <p:nvGraphicFramePr>
               <p:cNvPr id="7" name="Espace réservé du contenu 6">
@@ -8918,7 +9246,7 @@
                 <p:ph sz="half" idx="2"/>
                 <p:extLst>
                   <p:ext uri="{D42A27DB-BD31-4B8C-83A1-F6EECF244321}">
-                    <p14:modId xmlns:p14="http://schemas.microsoft.com/office/powerpoint/2010/main" val="1062788227"/>
+                    <p14:modId xmlns:p14="http://schemas.microsoft.com/office/powerpoint/2010/main" val="1412881521"/>
                   </p:ext>
                 </p:extLst>
               </p:nvPr>
@@ -9041,8 +9369,17 @@
                           <a14:m>
                             <m:oMath xmlns:m="http://schemas.openxmlformats.org/officeDocument/2006/math">
                               <m:r>
-                                <a:rPr lang="en-US" sz="2000" b="0" noProof="0" smtClean="0"/>
-                                <m:t>0,33</m:t>
+                                <a:rPr lang="en-US" sz="2000" b="0" noProof="0" smtClean="0">
+                                  <a:latin typeface="Cambria Math" panose="02040503050406030204" pitchFamily="18" charset="0"/>
+                                </a:rPr>
+                                <m:t>0,3</m:t>
+                              </m:r>
+                              <m:r>
+                                <m:rPr>
+                                  <m:nor/>
+                                </m:rPr>
+                                <a:rPr lang="fr-FR" sz="2000" b="0" i="0" noProof="0" smtClean="0"/>
+                                <m:t>4</m:t>
                               </m:r>
                               <m:r>
                                 <m:rPr>
@@ -9086,18 +9423,24 @@
                               <m:sSub>
                                 <m:sSubPr>
                                   <m:ctrlPr>
-                                    <a:rPr lang="en-US" sz="2000" b="0" noProof="0" smtClean="0"/>
+                                    <a:rPr lang="en-US" sz="2000" b="0" i="1" noProof="0" smtClean="0">
+                                      <a:latin typeface="Cambria Math" panose="02040503050406030204" pitchFamily="18" charset="0"/>
+                                    </a:rPr>
                                   </m:ctrlPr>
                                 </m:sSubPr>
                                 <m:e>
                                   <m:r>
-                                    <a:rPr lang="en-US" sz="2000" b="0" noProof="0" smtClean="0"/>
+                                    <a:rPr lang="en-US" sz="2000" b="0" noProof="0" smtClean="0">
+                                      <a:latin typeface="Cambria Math" panose="02040503050406030204" pitchFamily="18" charset="0"/>
+                                    </a:rPr>
                                     <m:t>𝑚</m:t>
                                   </m:r>
                                 </m:e>
                                 <m:sub>
                                   <m:r>
-                                    <a:rPr lang="en-US" sz="2000" b="0" noProof="0" smtClean="0"/>
+                                    <a:rPr lang="en-US" sz="2000" b="0" noProof="0" smtClean="0">
+                                      <a:latin typeface="Cambria Math" panose="02040503050406030204" pitchFamily="18" charset="0"/>
+                                    </a:rPr>
                                     <m:t>𝑇𝑀𝐷</m:t>
                                   </m:r>
                                 </m:sub>
@@ -9121,7 +9464,9 @@
                           <a14:m>
                             <m:oMath xmlns:m="http://schemas.openxmlformats.org/officeDocument/2006/math">
                               <m:r>
-                                <a:rPr lang="en-US" sz="2000" b="0" noProof="0" smtClean="0"/>
+                                <a:rPr lang="en-US" sz="2000" b="0" noProof="0" smtClean="0">
+                                  <a:latin typeface="Cambria Math" panose="02040503050406030204" pitchFamily="18" charset="0"/>
+                                </a:rPr>
                                 <m:t>0,686</m:t>
                               </m:r>
                               <m:r>
@@ -9166,18 +9511,24 @@
                               <m:sSub>
                                 <m:sSubPr>
                                   <m:ctrlPr>
-                                    <a:rPr lang="en-US" sz="2000" b="0" noProof="0" smtClean="0"/>
+                                    <a:rPr lang="en-US" sz="2000" b="0" i="1" noProof="0" smtClean="0">
+                                      <a:latin typeface="Cambria Math" panose="02040503050406030204" pitchFamily="18" charset="0"/>
+                                    </a:rPr>
                                   </m:ctrlPr>
                                 </m:sSubPr>
                                 <m:e>
                                   <m:r>
-                                    <a:rPr lang="en-US" sz="2000" b="0" noProof="0" smtClean="0"/>
+                                    <a:rPr lang="en-US" sz="2000" b="0" noProof="0" smtClean="0">
+                                      <a:latin typeface="Cambria Math" panose="02040503050406030204" pitchFamily="18" charset="0"/>
+                                    </a:rPr>
                                     <m:t>𝑘</m:t>
                                   </m:r>
                                 </m:e>
                                 <m:sub>
                                   <m:r>
-                                    <a:rPr lang="en-US" sz="2000" b="0" noProof="0" smtClean="0"/>
+                                    <a:rPr lang="en-US" sz="2000" b="0" noProof="0" smtClean="0">
+                                      <a:latin typeface="Cambria Math" panose="02040503050406030204" pitchFamily="18" charset="0"/>
+                                    </a:rPr>
                                     <m:t>𝑇𝑀𝐷</m:t>
                                   </m:r>
                                 </m:sub>
@@ -9201,8 +9552,22 @@
                           <a14:m>
                             <m:oMath xmlns:m="http://schemas.openxmlformats.org/officeDocument/2006/math">
                               <m:r>
-                                <a:rPr lang="en-US" sz="2000" b="0" noProof="0" smtClean="0"/>
-                                <m:t>2,91 </m:t>
+                                <a:rPr lang="en-US" sz="2000" b="0" noProof="0" smtClean="0">
+                                  <a:latin typeface="Cambria Math" panose="02040503050406030204" pitchFamily="18" charset="0"/>
+                                </a:rPr>
+                                <m:t>2,</m:t>
+                              </m:r>
+                              <m:r>
+                                <a:rPr lang="fr-FR" sz="2000" b="0" i="0" noProof="0" smtClean="0">
+                                  <a:latin typeface="Cambria Math" panose="02040503050406030204" pitchFamily="18" charset="0"/>
+                                </a:rPr>
+                                <m:t>447</m:t>
+                              </m:r>
+                              <m:r>
+                                <a:rPr lang="en-US" sz="2000" b="0" noProof="0" smtClean="0">
+                                  <a:latin typeface="Cambria Math" panose="02040503050406030204" pitchFamily="18" charset="0"/>
+                                </a:rPr>
+                                <m:t> </m:t>
                               </m:r>
                               <m:r>
                                 <m:rPr>
@@ -9253,18 +9618,24 @@
                               <m:sSub>
                                 <m:sSubPr>
                                   <m:ctrlPr>
-                                    <a:rPr lang="en-US" sz="2000" b="0" noProof="0" smtClean="0"/>
+                                    <a:rPr lang="en-US" sz="2000" b="0" i="1" noProof="0" smtClean="0">
+                                      <a:latin typeface="Cambria Math" panose="02040503050406030204" pitchFamily="18" charset="0"/>
+                                    </a:rPr>
                                   </m:ctrlPr>
                                 </m:sSubPr>
                                 <m:e>
                                   <m:r>
-                                    <a:rPr lang="en-US" sz="2000" b="0" noProof="0" smtClean="0"/>
+                                    <a:rPr lang="en-US" sz="2000" b="0" noProof="0" smtClean="0">
+                                      <a:latin typeface="Cambria Math" panose="02040503050406030204" pitchFamily="18" charset="0"/>
+                                    </a:rPr>
                                     <m:t>𝑐</m:t>
                                   </m:r>
                                 </m:e>
                                 <m:sub>
                                   <m:r>
-                                    <a:rPr lang="en-US" sz="2000" b="0" noProof="0" smtClean="0"/>
+                                    <a:rPr lang="en-US" sz="2000" b="0" noProof="0" smtClean="0">
+                                      <a:latin typeface="Cambria Math" panose="02040503050406030204" pitchFamily="18" charset="0"/>
+                                    </a:rPr>
                                     <m:t>𝑇𝑀𝐷</m:t>
                                   </m:r>
                                 </m:sub>
@@ -9288,8 +9659,22 @@
                           <a14:m>
                             <m:oMath xmlns:m="http://schemas.openxmlformats.org/officeDocument/2006/math">
                               <m:r>
-                                <a:rPr lang="en-US" sz="2000" b="0" noProof="0" smtClean="0"/>
-                                <m:t>0,22 </m:t>
+                                <a:rPr lang="en-US" sz="2000" b="0" noProof="0" smtClean="0">
+                                  <a:latin typeface="Cambria Math" panose="02040503050406030204" pitchFamily="18" charset="0"/>
+                                </a:rPr>
+                                <m:t>0,</m:t>
+                              </m:r>
+                              <m:r>
+                                <a:rPr lang="fr-FR" sz="2000" b="0" i="0" noProof="0" smtClean="0">
+                                  <a:latin typeface="Cambria Math" panose="02040503050406030204" pitchFamily="18" charset="0"/>
+                                </a:rPr>
+                                <m:t>520</m:t>
+                              </m:r>
+                              <m:r>
+                                <a:rPr lang="en-US" sz="2000" b="0" noProof="0" smtClean="0">
+                                  <a:latin typeface="Cambria Math" panose="02040503050406030204" pitchFamily="18" charset="0"/>
+                                </a:rPr>
+                                <m:t> </m:t>
                               </m:r>
                               <m:r>
                                 <m:rPr>
@@ -9333,7 +9718,7 @@
             </a:graphic>
           </p:graphicFrame>
         </mc:Choice>
-        <mc:Fallback>
+        <mc:Fallback xmlns="">
           <p:graphicFrame>
             <p:nvGraphicFramePr>
               <p:cNvPr id="7" name="Espace réservé du contenu 6">
@@ -9350,7 +9735,7 @@
                 <p:ph sz="half" idx="2"/>
                 <p:extLst>
                   <p:ext uri="{D42A27DB-BD31-4B8C-83A1-F6EECF244321}">
-                    <p14:modId xmlns:p14="http://schemas.microsoft.com/office/powerpoint/2010/main" val="1062788227"/>
+                    <p14:modId xmlns:p14="http://schemas.microsoft.com/office/powerpoint/2010/main" val="1412881521"/>
                   </p:ext>
                 </p:extLst>
               </p:nvPr>
@@ -9676,11 +10061,11 @@
   <p:clrMapOvr>
     <a:masterClrMapping/>
   </p:clrMapOvr>
-  <mc:AlternateContent xmlns:mc="http://schemas.openxmlformats.org/markup-compatibility/2006">
-    <mc:Choice xmlns:p14="http://schemas.microsoft.com/office/powerpoint/2010/main" Requires="p14">
+  <mc:AlternateContent xmlns:mc="http://schemas.openxmlformats.org/markup-compatibility/2006" xmlns:p14="http://schemas.microsoft.com/office/powerpoint/2010/main">
+    <mc:Choice Requires="p14">
       <p:transition spd="slow" p14:dur="2000" advTm="321"/>
     </mc:Choice>
-    <mc:Fallback>
+    <mc:Fallback xmlns="">
       <p:transition spd="slow" advTm="321"/>
     </mc:Fallback>
   </mc:AlternateContent>
@@ -9860,7 +10245,19 @@
                       <a:rPr lang="en-US" sz="2000" b="0" i="1" noProof="0" smtClean="0">
                         <a:latin typeface="Cambria Math" panose="02040503050406030204" pitchFamily="18" charset="0"/>
                       </a:rPr>
-                      <m:t>0,33 </m:t>
+                      <m:t>0,3</m:t>
+                    </m:r>
+                    <m:r>
+                      <a:rPr lang="fr-FR" sz="2000" b="0" i="1" noProof="0" smtClean="0">
+                        <a:latin typeface="Cambria Math" panose="02040503050406030204" pitchFamily="18" charset="0"/>
+                      </a:rPr>
+                      <m:t>4</m:t>
+                    </m:r>
+                    <m:r>
+                      <a:rPr lang="en-US" sz="2000" b="0" i="1" noProof="0" smtClean="0">
+                        <a:latin typeface="Cambria Math" panose="02040503050406030204" pitchFamily="18" charset="0"/>
+                      </a:rPr>
+                      <m:t> </m:t>
                     </m:r>
                     <m:r>
                       <m:rPr>
@@ -9948,7 +10345,7 @@
                 <a:pPr marL="0" indent="0">
                   <a:buNone/>
                 </a:pPr>
-                <a:endParaRPr lang="en-US" sz="2400" noProof="0" dirty="0"/>
+                <a:endParaRPr lang="en-US" sz="2000" noProof="0" dirty="0"/>
               </a:p>
               <a:p>
                 <a:pPr marL="0" indent="0">
@@ -10127,11 +10524,11 @@
   <p:clrMapOvr>
     <a:masterClrMapping/>
   </p:clrMapOvr>
-  <mc:AlternateContent xmlns:mc="http://schemas.openxmlformats.org/markup-compatibility/2006">
-    <mc:Choice xmlns:p14="http://schemas.microsoft.com/office/powerpoint/2010/main" Requires="p14">
+  <mc:AlternateContent xmlns:mc="http://schemas.openxmlformats.org/markup-compatibility/2006" xmlns:p14="http://schemas.microsoft.com/office/powerpoint/2010/main">
+    <mc:Choice Requires="p14">
       <p:transition spd="slow" p14:dur="2000" advTm="321"/>
     </mc:Choice>
-    <mc:Fallback>
+    <mc:Fallback xmlns="">
       <p:transition spd="slow" advTm="321"/>
     </mc:Fallback>
   </mc:AlternateContent>
@@ -10196,8 +10593,8 @@
           </a:p>
         </p:txBody>
       </p:sp>
-      <mc:AlternateContent xmlns:mc="http://schemas.openxmlformats.org/markup-compatibility/2006">
-        <mc:Choice xmlns:a14="http://schemas.microsoft.com/office/drawing/2010/main" Requires="a14">
+      <mc:AlternateContent xmlns:mc="http://schemas.openxmlformats.org/markup-compatibility/2006" xmlns:a14="http://schemas.microsoft.com/office/drawing/2010/main">
+        <mc:Choice Requires="a14">
           <p:sp>
             <p:nvSpPr>
               <p:cNvPr id="3" name="Espace réservé du contenu 2">
@@ -10489,7 +10886,7 @@
             </p:txBody>
           </p:sp>
         </mc:Choice>
-        <mc:Fallback>
+        <mc:Fallback xmlns="">
           <p:sp>
             <p:nvSpPr>
               <p:cNvPr id="3" name="Espace réservé du contenu 2">
@@ -10533,8 +10930,8 @@
           </p:sp>
         </mc:Fallback>
       </mc:AlternateContent>
-      <mc:AlternateContent xmlns:mc="http://schemas.openxmlformats.org/markup-compatibility/2006">
-        <mc:Choice xmlns:a14="http://schemas.microsoft.com/office/drawing/2010/main" Requires="a14">
+      <mc:AlternateContent xmlns:mc="http://schemas.openxmlformats.org/markup-compatibility/2006" xmlns:a14="http://schemas.microsoft.com/office/drawing/2010/main">
+        <mc:Choice Requires="a14">
           <p:sp>
             <p:nvSpPr>
               <p:cNvPr id="4" name="Espace réservé du contenu 3">
@@ -10659,7 +11056,7 @@
             </p:txBody>
           </p:sp>
         </mc:Choice>
-        <mc:Fallback>
+        <mc:Fallback xmlns="">
           <p:sp>
             <p:nvSpPr>
               <p:cNvPr id="4" name="Espace réservé du contenu 3">
@@ -10749,7 +11146,7 @@
               <p:nvPr>
                 <p:extLst>
                   <p:ext uri="{D42A27DB-BD31-4B8C-83A1-F6EECF244321}">
-                    <p14:modId xmlns:p14="http://schemas.microsoft.com/office/powerpoint/2010/main" val="1518301183"/>
+                    <p14:modId xmlns:p14="http://schemas.microsoft.com/office/powerpoint/2010/main" val="1035904049"/>
                   </p:ext>
                 </p:extLst>
               </p:nvPr>
@@ -10806,6 +11203,7 @@
                         <a:bodyPr/>
                         <a:lstStyle/>
                         <a:p>
+                          <a:pPr/>
                           <a14:m>
                             <m:oMathPara xmlns:m="http://schemas.openxmlformats.org/officeDocument/2006/math">
                               <m:oMathParaPr>
@@ -10815,18 +11213,24 @@
                                 <m:sSub>
                                   <m:sSubPr>
                                     <m:ctrlPr>
-                                      <a:rPr lang="en-US" b="1" noProof="0" smtClean="0"/>
+                                      <a:rPr lang="en-US" b="1" i="1" noProof="0" smtClean="0">
+                                        <a:latin typeface="Cambria Math" panose="02040503050406030204" pitchFamily="18" charset="0"/>
+                                      </a:rPr>
                                     </m:ctrlPr>
                                   </m:sSubPr>
                                   <m:e>
                                     <m:r>
-                                      <a:rPr lang="en-US" b="1" noProof="0" smtClean="0"/>
+                                      <a:rPr lang="en-US" b="1" noProof="0" smtClean="0">
+                                        <a:latin typeface="Cambria Math" panose="02040503050406030204" pitchFamily="18" charset="0"/>
+                                      </a:rPr>
                                       <m:t>𝝃</m:t>
                                     </m:r>
                                   </m:e>
                                   <m:sub>
                                     <m:r>
-                                      <a:rPr lang="en-US" b="1" noProof="0" smtClean="0"/>
+                                      <a:rPr lang="en-US" b="1" noProof="0" smtClean="0">
+                                        <a:latin typeface="Cambria Math" panose="02040503050406030204" pitchFamily="18" charset="0"/>
+                                      </a:rPr>
                                       <m:t>𝒐𝒓𝒊𝒈𝒊𝒏𝒂𝒍</m:t>
                                     </m:r>
                                   </m:sub>
@@ -10844,6 +11248,7 @@
                         <a:bodyPr/>
                         <a:lstStyle/>
                         <a:p>
+                          <a:pPr/>
                           <a14:m>
                             <m:oMathPara xmlns:m="http://schemas.openxmlformats.org/officeDocument/2006/math">
                               <m:oMathParaPr>
@@ -10853,18 +11258,24 @@
                                 <m:sSub>
                                   <m:sSubPr>
                                     <m:ctrlPr>
-                                      <a:rPr lang="en-US" b="1" noProof="0" smtClean="0"/>
+                                      <a:rPr lang="en-US" b="1" i="1" noProof="0" smtClean="0">
+                                        <a:latin typeface="Cambria Math" panose="02040503050406030204" pitchFamily="18" charset="0"/>
+                                      </a:rPr>
                                     </m:ctrlPr>
                                   </m:sSubPr>
                                   <m:e>
                                     <m:r>
-                                      <a:rPr lang="en-US" b="1" noProof="0" smtClean="0"/>
+                                      <a:rPr lang="en-US" b="1" noProof="0" smtClean="0">
+                                        <a:latin typeface="Cambria Math" panose="02040503050406030204" pitchFamily="18" charset="0"/>
+                                      </a:rPr>
                                       <m:t>𝝃</m:t>
                                     </m:r>
                                   </m:e>
                                   <m:sub>
                                     <m:r>
-                                      <a:rPr lang="en-US" b="1" noProof="0" smtClean="0"/>
+                                      <a:rPr lang="en-US" b="1" noProof="0" smtClean="0">
+                                        <a:latin typeface="Cambria Math" panose="02040503050406030204" pitchFamily="18" charset="0"/>
+                                      </a:rPr>
                                       <m:t>𝒆𝒒𝒖𝒊𝒗</m:t>
                                     </m:r>
                                   </m:sub>
@@ -10895,55 +11306,73 @@
                                 <m:fPr>
                                   <m:type m:val="lin"/>
                                   <m:ctrlPr>
-                                    <a:rPr lang="en-US" noProof="0" smtClean="0"/>
+                                    <a:rPr lang="en-US" i="1" noProof="0" smtClean="0">
+                                      <a:latin typeface="Cambria Math" panose="02040503050406030204" pitchFamily="18" charset="0"/>
+                                    </a:rPr>
                                   </m:ctrlPr>
                                 </m:fPr>
                                 <m:num>
                                   <m:d>
                                     <m:dPr>
                                       <m:ctrlPr>
-                                        <a:rPr lang="en-US" b="0" noProof="0" smtClean="0"/>
+                                        <a:rPr lang="en-US" b="0" i="1" noProof="0" smtClean="0">
+                                          <a:latin typeface="Cambria Math" panose="02040503050406030204" pitchFamily="18" charset="0"/>
+                                        </a:rPr>
                                       </m:ctrlPr>
                                     </m:dPr>
                                     <m:e>
                                       <m:sSub>
                                         <m:sSubPr>
                                           <m:ctrlPr>
-                                            <a:rPr lang="en-US" b="0" noProof="0" smtClean="0"/>
+                                            <a:rPr lang="en-US" b="0" i="1" noProof="0" smtClean="0">
+                                              <a:latin typeface="Cambria Math" panose="02040503050406030204" pitchFamily="18" charset="0"/>
+                                            </a:rPr>
                                           </m:ctrlPr>
                                         </m:sSubPr>
                                         <m:e>
                                           <m:r>
-                                            <a:rPr lang="en-US" b="0" noProof="0" smtClean="0"/>
+                                            <a:rPr lang="en-US" b="0" noProof="0" smtClean="0">
+                                              <a:latin typeface="Cambria Math" panose="02040503050406030204" pitchFamily="18" charset="0"/>
+                                            </a:rPr>
                                             <m:t>𝑦</m:t>
                                           </m:r>
                                         </m:e>
                                         <m:sub>
                                           <m:r>
-                                            <a:rPr lang="en-US" b="0" noProof="0" smtClean="0"/>
+                                            <a:rPr lang="en-US" b="0" noProof="0" smtClean="0">
+                                              <a:latin typeface="Cambria Math" panose="02040503050406030204" pitchFamily="18" charset="0"/>
+                                            </a:rPr>
                                             <m:t>2</m:t>
                                           </m:r>
                                         </m:sub>
                                       </m:sSub>
                                       <m:r>
-                                        <a:rPr lang="en-US" b="0" noProof="0" smtClean="0"/>
+                                        <a:rPr lang="en-US" b="0" noProof="0" smtClean="0">
+                                          <a:latin typeface="Cambria Math" panose="02040503050406030204" pitchFamily="18" charset="0"/>
+                                        </a:rPr>
                                         <m:t>−</m:t>
                                       </m:r>
                                       <m:sSub>
                                         <m:sSubPr>
                                           <m:ctrlPr>
-                                            <a:rPr lang="en-US" b="0" noProof="0" smtClean="0"/>
+                                            <a:rPr lang="en-US" b="0" i="1" noProof="0" smtClean="0">
+                                              <a:latin typeface="Cambria Math" panose="02040503050406030204" pitchFamily="18" charset="0"/>
+                                            </a:rPr>
                                           </m:ctrlPr>
                                         </m:sSubPr>
                                         <m:e>
                                           <m:r>
-                                            <a:rPr lang="en-US" b="0" noProof="0" smtClean="0"/>
+                                            <a:rPr lang="en-US" b="0" noProof="0" smtClean="0">
+                                              <a:latin typeface="Cambria Math" panose="02040503050406030204" pitchFamily="18" charset="0"/>
+                                            </a:rPr>
                                             <m:t>𝑦</m:t>
                                           </m:r>
                                         </m:e>
                                         <m:sub>
                                           <m:r>
-                                            <a:rPr lang="en-US" b="0" noProof="0" smtClean="0"/>
+                                            <a:rPr lang="en-US" b="0" noProof="0" smtClean="0">
+                                              <a:latin typeface="Cambria Math" panose="02040503050406030204" pitchFamily="18" charset="0"/>
+                                            </a:rPr>
                                             <m:t>𝑐</m:t>
                                           </m:r>
                                         </m:sub>
@@ -10955,18 +11384,24 @@
                                   <m:sSub>
                                     <m:sSubPr>
                                       <m:ctrlPr>
-                                        <a:rPr lang="en-US" b="0" noProof="0" smtClean="0"/>
+                                        <a:rPr lang="en-US" b="0" i="1" noProof="0" smtClean="0">
+                                          <a:latin typeface="Cambria Math" panose="02040503050406030204" pitchFamily="18" charset="0"/>
+                                        </a:rPr>
                                       </m:ctrlPr>
                                     </m:sSubPr>
                                     <m:e>
                                       <m:r>
-                                        <a:rPr lang="en-US" b="0" noProof="0" smtClean="0"/>
+                                        <a:rPr lang="en-US" b="0" noProof="0" smtClean="0">
+                                          <a:latin typeface="Cambria Math" panose="02040503050406030204" pitchFamily="18" charset="0"/>
+                                        </a:rPr>
                                         <m:t>𝐹</m:t>
                                       </m:r>
                                     </m:e>
                                     <m:sub>
                                       <m:r>
-                                        <a:rPr lang="en-US" b="0" noProof="0" smtClean="0"/>
+                                        <a:rPr lang="en-US" b="0" noProof="0" smtClean="0">
+                                          <a:latin typeface="Cambria Math" panose="02040503050406030204" pitchFamily="18" charset="0"/>
+                                        </a:rPr>
                                         <m:t>𝑐</m:t>
                                       </m:r>
                                     </m:sub>
@@ -10988,6 +11423,7 @@
                         <a:bodyPr/>
                         <a:lstStyle/>
                         <a:p>
+                          <a:pPr/>
                           <a14:m>
                             <m:oMathPara xmlns:m="http://schemas.openxmlformats.org/officeDocument/2006/math">
                               <m:oMathParaPr>
@@ -10995,7 +11431,9 @@
                               </m:oMathParaPr>
                               <m:oMath xmlns:m="http://schemas.openxmlformats.org/officeDocument/2006/math">
                                 <m:r>
-                                  <a:rPr lang="en-US" b="0" noProof="0" smtClean="0"/>
+                                  <a:rPr lang="en-US" b="0" noProof="0" smtClean="0">
+                                    <a:latin typeface="Cambria Math" panose="02040503050406030204" pitchFamily="18" charset="0"/>
+                                  </a:rPr>
                                   <m:t>1%</m:t>
                                 </m:r>
                               </m:oMath>
@@ -11011,6 +11449,7 @@
                         <a:bodyPr/>
                         <a:lstStyle/>
                         <a:p>
+                          <a:pPr/>
                           <a14:m>
                             <m:oMathPara xmlns:m="http://schemas.openxmlformats.org/officeDocument/2006/math">
                               <m:oMathParaPr>
@@ -11025,7 +11464,9 @@
                                   <m:t>~</m:t>
                                 </m:r>
                                 <m:r>
-                                  <a:rPr lang="en-US" b="0" noProof="0" smtClean="0"/>
+                                  <a:rPr lang="en-US" b="0" noProof="0" smtClean="0">
+                                    <a:latin typeface="Cambria Math" panose="02040503050406030204" pitchFamily="18" charset="0"/>
+                                  </a:rPr>
                                   <m:t>10%</m:t>
                                 </m:r>
                               </m:oMath>
@@ -11054,55 +11495,94 @@
                                 <m:fPr>
                                   <m:type m:val="lin"/>
                                   <m:ctrlPr>
-                                    <a:rPr lang="en-US" noProof="0" smtClean="0"/>
+                                    <a:rPr lang="en-US" i="1" noProof="0" smtClean="0">
+                                      <a:latin typeface="Cambria Math" panose="02040503050406030204" pitchFamily="18" charset="0"/>
+                                    </a:rPr>
                                   </m:ctrlPr>
                                 </m:fPr>
                                 <m:num>
                                   <m:d>
                                     <m:dPr>
                                       <m:ctrlPr>
-                                        <a:rPr lang="en-US" b="0" noProof="0" smtClean="0"/>
+                                        <a:rPr lang="en-US" b="0" i="1" noProof="0" smtClean="0">
+                                          <a:latin typeface="Cambria Math" panose="02040503050406030204" pitchFamily="18" charset="0"/>
+                                        </a:rPr>
                                       </m:ctrlPr>
                                     </m:dPr>
                                     <m:e>
                                       <m:sSub>
                                         <m:sSubPr>
                                           <m:ctrlPr>
-                                            <a:rPr lang="en-US" b="0" noProof="0" smtClean="0"/>
+                                            <a:rPr lang="en-US" b="0" i="1" noProof="0" smtClean="0">
+                                              <a:latin typeface="Cambria Math" panose="02040503050406030204" pitchFamily="18" charset="0"/>
+                                            </a:rPr>
                                           </m:ctrlPr>
                                         </m:sSubPr>
                                         <m:e>
                                           <m:r>
-                                            <a:rPr lang="en-US" b="0" noProof="0" smtClean="0"/>
+                                            <a:rPr lang="en-US" b="0" noProof="0" smtClean="0">
+                                              <a:latin typeface="Cambria Math" panose="02040503050406030204" pitchFamily="18" charset="0"/>
+                                            </a:rPr>
                                             <m:t>𝑦</m:t>
                                           </m:r>
                                         </m:e>
                                         <m:sub>
                                           <m:r>
-                                            <a:rPr lang="en-US" b="0" noProof="0" smtClean="0"/>
+                                            <a:rPr lang="en-US" b="0" noProof="0" smtClean="0">
+                                              <a:latin typeface="Cambria Math" panose="02040503050406030204" pitchFamily="18" charset="0"/>
+                                            </a:rPr>
                                             <m:t>2</m:t>
                                           </m:r>
                                         </m:sub>
                                       </m:sSub>
                                       <m:r>
-                                        <a:rPr lang="en-US" b="0" noProof="0" smtClean="0"/>
-                                        <m:t>−8</m:t>
+                                        <a:rPr lang="fr-FR" b="0" i="0" noProof="0" smtClean="0">
+                                          <a:latin typeface="Cambria Math" panose="02040503050406030204" pitchFamily="18" charset="0"/>
+                                        </a:rPr>
+                                        <m:t>+</m:t>
+                                      </m:r>
+                                      <m:r>
+                                        <a:rPr lang="en-US" b="0" noProof="0" smtClean="0">
+                                          <a:latin typeface="Cambria Math" panose="02040503050406030204" pitchFamily="18" charset="0"/>
+                                        </a:rPr>
+                                        <m:t>8</m:t>
+                                      </m:r>
+                                      <m:r>
+                                        <m:rPr>
+                                          <m:sty m:val="p"/>
+                                        </m:rPr>
+                                        <a:rPr lang="fr-FR" b="0" i="0" noProof="0" smtClean="0">
+                                          <a:latin typeface="Cambria Math" panose="02040503050406030204" pitchFamily="18" charset="0"/>
+                                        </a:rPr>
+                                        <m:t>m</m:t>
+                                      </m:r>
+                                      <m:r>
+                                        <a:rPr lang="fr-FR" b="0" i="1" noProof="0" smtClean="0">
+                                          <a:latin typeface="Cambria Math" panose="02040503050406030204" pitchFamily="18" charset="0"/>
+                                        </a:rPr>
+                                        <m:t>⋅</m:t>
                                       </m:r>
                                       <m:sSub>
                                         <m:sSubPr>
                                           <m:ctrlPr>
-                                            <a:rPr lang="en-US" b="0" noProof="0" smtClean="0"/>
+                                            <a:rPr lang="en-US" b="0" i="1" noProof="0" smtClean="0">
+                                              <a:latin typeface="Cambria Math" panose="02040503050406030204" pitchFamily="18" charset="0"/>
+                                            </a:rPr>
                                           </m:ctrlPr>
                                         </m:sSubPr>
                                         <m:e>
                                           <m:r>
-                                            <a:rPr lang="en-US" b="0" noProof="0" smtClean="0"/>
+                                            <a:rPr lang="en-US" b="0" noProof="0" smtClean="0">
+                                              <a:latin typeface="Cambria Math" panose="02040503050406030204" pitchFamily="18" charset="0"/>
+                                            </a:rPr>
                                             <m:t>𝜃</m:t>
                                           </m:r>
                                         </m:e>
                                         <m:sub>
                                           <m:r>
-                                            <a:rPr lang="en-US" b="0" noProof="0" smtClean="0"/>
+                                            <a:rPr lang="en-US" b="0" noProof="0" smtClean="0">
+                                              <a:latin typeface="Cambria Math" panose="02040503050406030204" pitchFamily="18" charset="0"/>
+                                            </a:rPr>
                                             <m:t>𝑐</m:t>
                                           </m:r>
                                         </m:sub>
@@ -11114,18 +11594,24 @@
                                   <m:sSub>
                                     <m:sSubPr>
                                       <m:ctrlPr>
-                                        <a:rPr lang="en-US" b="0" noProof="0" smtClean="0"/>
+                                        <a:rPr lang="en-US" b="0" i="1" noProof="0" smtClean="0">
+                                          <a:latin typeface="Cambria Math" panose="02040503050406030204" pitchFamily="18" charset="0"/>
+                                        </a:rPr>
                                       </m:ctrlPr>
                                     </m:sSubPr>
                                     <m:e>
                                       <m:r>
-                                        <a:rPr lang="en-US" b="0" noProof="0" smtClean="0"/>
+                                        <a:rPr lang="en-US" b="0" noProof="0" smtClean="0">
+                                          <a:latin typeface="Cambria Math" panose="02040503050406030204" pitchFamily="18" charset="0"/>
+                                        </a:rPr>
                                         <m:t>𝑀</m:t>
                                       </m:r>
                                     </m:e>
                                     <m:sub>
                                       <m:r>
-                                        <a:rPr lang="en-US" b="0" noProof="0" smtClean="0"/>
+                                        <a:rPr lang="en-US" b="0" noProof="0" smtClean="0">
+                                          <a:latin typeface="Cambria Math" panose="02040503050406030204" pitchFamily="18" charset="0"/>
+                                        </a:rPr>
                                         <m:t>𝑐</m:t>
                                       </m:r>
                                     </m:sub>
@@ -11147,6 +11633,7 @@
                         <a:bodyPr/>
                         <a:lstStyle/>
                         <a:p>
+                          <a:pPr/>
                           <a14:m>
                             <m:oMathPara xmlns:m="http://schemas.openxmlformats.org/officeDocument/2006/math">
                               <m:oMathParaPr>
@@ -11154,7 +11641,9 @@
                               </m:oMathParaPr>
                               <m:oMath xmlns:m="http://schemas.openxmlformats.org/officeDocument/2006/math">
                                 <m:r>
-                                  <a:rPr lang="en-US" b="0" noProof="0" smtClean="0"/>
+                                  <a:rPr lang="en-US" b="0" noProof="0" smtClean="0">
+                                    <a:latin typeface="Cambria Math" panose="02040503050406030204" pitchFamily="18" charset="0"/>
+                                  </a:rPr>
                                   <m:t>1%</m:t>
                                 </m:r>
                               </m:oMath>
@@ -11170,6 +11659,7 @@
                         <a:bodyPr/>
                         <a:lstStyle/>
                         <a:p>
+                          <a:pPr/>
                           <a14:m>
                             <m:oMathPara xmlns:m="http://schemas.openxmlformats.org/officeDocument/2006/math">
                               <m:oMathParaPr>
@@ -11184,7 +11674,9 @@
                                   <m:t>~</m:t>
                                 </m:r>
                                 <m:r>
-                                  <a:rPr lang="en-US" b="0" noProof="0" smtClean="0"/>
+                                  <a:rPr lang="en-US" b="0" noProof="0" smtClean="0">
+                                    <a:latin typeface="Cambria Math" panose="02040503050406030204" pitchFamily="18" charset="0"/>
+                                  </a:rPr>
                                   <m:t>9,3%</m:t>
                                 </m:r>
                               </m:oMath>
@@ -11222,7 +11714,7 @@
               <p:nvPr>
                 <p:extLst>
                   <p:ext uri="{D42A27DB-BD31-4B8C-83A1-F6EECF244321}">
-                    <p14:modId xmlns:p14="http://schemas.microsoft.com/office/powerpoint/2010/main" val="1518301183"/>
+                    <p14:modId xmlns:p14="http://schemas.microsoft.com/office/powerpoint/2010/main" val="1035904049"/>
                   </p:ext>
                 </p:extLst>
               </p:nvPr>
@@ -11446,11 +11938,11 @@
   <p:clrMapOvr>
     <a:masterClrMapping/>
   </p:clrMapOvr>
-  <mc:AlternateContent xmlns:mc="http://schemas.openxmlformats.org/markup-compatibility/2006">
-    <mc:Choice xmlns:p14="http://schemas.microsoft.com/office/powerpoint/2010/main" Requires="p14">
+  <mc:AlternateContent xmlns:mc="http://schemas.openxmlformats.org/markup-compatibility/2006" xmlns:p14="http://schemas.microsoft.com/office/powerpoint/2010/main">
+    <mc:Choice Requires="p14">
       <p:transition spd="slow" p14:dur="2000" advTm="321"/>
     </mc:Choice>
-    <mc:Fallback>
+    <mc:Fallback xmlns="">
       <p:transition spd="slow" advTm="321"/>
     </mc:Fallback>
   </mc:AlternateContent>
@@ -11666,6 +12158,18 @@
                       </a:rPr>
                       <m:t>𝟖</m:t>
                     </m:r>
+                    <m:r>
+                      <a:rPr lang="fr-FR" sz="2400" b="1" i="1" noProof="0" smtClean="0">
+                        <a:latin typeface="Cambria Math" panose="02040503050406030204" pitchFamily="18" charset="0"/>
+                      </a:rPr>
+                      <m:t>𝒎</m:t>
+                    </m:r>
+                    <m:r>
+                      <a:rPr lang="fr-FR" sz="2400" b="1" i="1" noProof="0" smtClean="0">
+                        <a:latin typeface="Cambria Math" panose="02040503050406030204" pitchFamily="18" charset="0"/>
+                      </a:rPr>
+                      <m:t>⋅</m:t>
+                    </m:r>
                     <m:sSub>
                       <m:sSubPr>
                         <m:ctrlPr>
@@ -11872,11 +12376,11 @@
   <p:clrMapOvr>
     <a:masterClrMapping/>
   </p:clrMapOvr>
-  <mc:AlternateContent xmlns:mc="http://schemas.openxmlformats.org/markup-compatibility/2006">
-    <mc:Choice xmlns:p14="http://schemas.microsoft.com/office/powerpoint/2010/main" Requires="p14">
+  <mc:AlternateContent xmlns:mc="http://schemas.openxmlformats.org/markup-compatibility/2006" xmlns:p14="http://schemas.microsoft.com/office/powerpoint/2010/main">
+    <mc:Choice Requires="p14">
       <p:transition spd="slow" p14:dur="2000" advTm="321"/>
     </mc:Choice>
-    <mc:Fallback>
+    <mc:Fallback xmlns="">
       <p:transition spd="slow" advTm="321"/>
     </mc:Fallback>
   </mc:AlternateContent>
@@ -12514,12 +13018,11 @@
 </file>
 
 <file path=customXml/item1.xml><?xml version="1.0" encoding="utf-8"?>
-<?mso-contentType ?>
-<FormTemplates xmlns="http://schemas.microsoft.com/sharepoint/v3/contenttype/forms">
-  <Display>DocumentLibraryForm</Display>
-  <Edit>DocumentLibraryForm</Edit>
-  <New>DocumentLibraryForm</New>
-</FormTemplates>
+<p:properties xmlns:p="http://schemas.microsoft.com/office/2006/metadata/properties" xmlns:xsi="http://www.w3.org/2001/XMLSchema-instance" xmlns:pc="http://schemas.microsoft.com/office/infopath/2007/PartnerControls">
+  <documentManagement>
+    <_activity xmlns="034cefaf-8203-49bc-88aa-b746647cec87" xsi:nil="true"/>
+  </documentManagement>
+</p:properties>
 </file>
 
 <file path=customXml/item2.xml><?xml version="1.0" encoding="utf-8"?>
@@ -12758,17 +13261,27 @@
 </file>
 
 <file path=customXml/item3.xml><?xml version="1.0" encoding="utf-8"?>
-<p:properties xmlns:p="http://schemas.microsoft.com/office/2006/metadata/properties" xmlns:xsi="http://www.w3.org/2001/XMLSchema-instance" xmlns:pc="http://schemas.microsoft.com/office/infopath/2007/PartnerControls">
-  <documentManagement>
-    <_activity xmlns="034cefaf-8203-49bc-88aa-b746647cec87" xsi:nil="true"/>
-  </documentManagement>
-</p:properties>
+<?mso-contentType ?>
+<FormTemplates xmlns="http://schemas.microsoft.com/sharepoint/v3/contenttype/forms">
+  <Display>DocumentLibraryForm</Display>
+  <Edit>DocumentLibraryForm</Edit>
+  <New>DocumentLibraryForm</New>
+</FormTemplates>
 </file>
 
 <file path=customXml/itemProps1.xml><?xml version="1.0" encoding="utf-8"?>
-<ds:datastoreItem xmlns:ds="http://schemas.openxmlformats.org/officeDocument/2006/customXml" ds:itemID="{86CFF38C-C997-41A0-824B-B7C10A6723D1}">
+<ds:datastoreItem xmlns:ds="http://schemas.openxmlformats.org/officeDocument/2006/customXml" ds:itemID="{5D041C7B-D5B7-433F-B61E-BDB9C076CA43}">
   <ds:schemaRefs>
-    <ds:schemaRef ds:uri="http://schemas.microsoft.com/sharepoint/v3/contenttype/forms"/>
+    <ds:schemaRef ds:uri="http://purl.org/dc/elements/1.1/"/>
+    <ds:schemaRef ds:uri="http://schemas.microsoft.com/office/2006/documentManagement/types"/>
+    <ds:schemaRef ds:uri="http://purl.org/dc/terms/"/>
+    <ds:schemaRef ds:uri="034cefaf-8203-49bc-88aa-b746647cec87"/>
+    <ds:schemaRef ds:uri="http://purl.org/dc/dcmitype/"/>
+    <ds:schemaRef ds:uri="http://schemas.openxmlformats.org/package/2006/metadata/core-properties"/>
+    <ds:schemaRef ds:uri="http://www.w3.org/XML/1998/namespace"/>
+    <ds:schemaRef ds:uri="http://schemas.microsoft.com/office/infopath/2007/PartnerControls"/>
+    <ds:schemaRef ds:uri="ffee4375-6191-4d68-ab33-514b2dd41182"/>
+    <ds:schemaRef ds:uri="http://schemas.microsoft.com/office/2006/metadata/properties"/>
   </ds:schemaRefs>
 </ds:datastoreItem>
 </file>
@@ -12793,18 +13306,9 @@
 </file>
 
 <file path=customXml/itemProps3.xml><?xml version="1.0" encoding="utf-8"?>
-<ds:datastoreItem xmlns:ds="http://schemas.openxmlformats.org/officeDocument/2006/customXml" ds:itemID="{5D041C7B-D5B7-433F-B61E-BDB9C076CA43}">
+<ds:datastoreItem xmlns:ds="http://schemas.openxmlformats.org/officeDocument/2006/customXml" ds:itemID="{86CFF38C-C997-41A0-824B-B7C10A6723D1}">
   <ds:schemaRefs>
-    <ds:schemaRef ds:uri="http://purl.org/dc/dcmitype/"/>
-    <ds:schemaRef ds:uri="http://schemas.microsoft.com/office/2006/metadata/properties"/>
-    <ds:schemaRef ds:uri="http://purl.org/dc/elements/1.1/"/>
-    <ds:schemaRef ds:uri="http://schemas.microsoft.com/office/2006/documentManagement/types"/>
-    <ds:schemaRef ds:uri="http://schemas.microsoft.com/office/infopath/2007/PartnerControls"/>
-    <ds:schemaRef ds:uri="http://purl.org/dc/terms/"/>
-    <ds:schemaRef ds:uri="http://schemas.openxmlformats.org/package/2006/metadata/core-properties"/>
-    <ds:schemaRef ds:uri="034cefaf-8203-49bc-88aa-b746647cec87"/>
-    <ds:schemaRef ds:uri="ffee4375-6191-4d68-ab33-514b2dd41182"/>
-    <ds:schemaRef ds:uri="http://www.w3.org/XML/1998/namespace"/>
+    <ds:schemaRef ds:uri="http://schemas.microsoft.com/sharepoint/v3/contenttype/forms"/>
   </ds:schemaRefs>
 </ds:datastoreItem>
 </file>